--- a/第4章-矢量数据处理-8课时/第4章-矢量数据处理.pptx
+++ b/第4章-矢量数据处理-8课时/第4章-矢量数据处理.pptx
@@ -444,6 +444,14 @@
 </p:cmAuthorLst>
 </file>
 
+<file path=ppt/revisionInfo.xml><?xml version="1.0" encoding="utf-8"?>
+<p1510:revInfo xmlns:a="http://schemas.openxmlformats.org/drawingml/2006/main" xmlns:r="http://schemas.openxmlformats.org/officeDocument/2006/relationships" xmlns:p1510="http://schemas.microsoft.com/office/powerpoint/2015/10/main">
+  <p1510:revLst>
+    <p1510:client id="{BB46F696-05A3-E847-981C-1ABF183D4160}" v="2" dt="2023-08-23T11:03:00.153"/>
+  </p1510:revLst>
+</p1510:revInfo>
+</file>
+
 <file path=ppt/changesInfos/changesInfo1.xml><?xml version="1.0" encoding="utf-8"?>
 <pc:chgInfo xmlns:a="http://schemas.openxmlformats.org/drawingml/2006/main" xmlns:r="http://schemas.openxmlformats.org/officeDocument/2006/relationships" xmlns:ac="http://schemas.microsoft.com/office/drawing/2013/main/command" xmlns:pc="http://schemas.microsoft.com/office/powerpoint/2013/main/command">
   <pc:docChgLst>
@@ -5950,6 +5958,106 @@
     </pc:docChg>
   </pc:docChgLst>
   <pc:docChgLst>
+    <pc:chgData name="Xin Luo" userId="82312ee5779919a4" providerId="LiveId" clId="{BB46F696-05A3-E847-981C-1ABF183D4160}"/>
+    <pc:docChg chg="undo custSel modSld">
+      <pc:chgData name="Xin Luo" userId="82312ee5779919a4" providerId="LiveId" clId="{BB46F696-05A3-E847-981C-1ABF183D4160}" dt="2023-08-23T11:07:23.598" v="620" actId="20577"/>
+      <pc:docMkLst>
+        <pc:docMk/>
+      </pc:docMkLst>
+      <pc:sldChg chg="modSp mod">
+        <pc:chgData name="Xin Luo" userId="82312ee5779919a4" providerId="LiveId" clId="{BB46F696-05A3-E847-981C-1ABF183D4160}" dt="2023-08-23T11:07:23.598" v="620" actId="20577"/>
+        <pc:sldMkLst>
+          <pc:docMk/>
+          <pc:sldMk cId="1209572041" sldId="2722"/>
+        </pc:sldMkLst>
+        <pc:spChg chg="mod">
+          <ac:chgData name="Xin Luo" userId="82312ee5779919a4" providerId="LiveId" clId="{BB46F696-05A3-E847-981C-1ABF183D4160}" dt="2023-08-23T11:07:23.598" v="620" actId="20577"/>
+          <ac:spMkLst>
+            <pc:docMk/>
+            <pc:sldMk cId="1209572041" sldId="2722"/>
+            <ac:spMk id="13" creationId="{303BC878-BC57-D350-27A3-F03AE48213AC}"/>
+          </ac:spMkLst>
+        </pc:spChg>
+      </pc:sldChg>
+      <pc:sldChg chg="modSp mod">
+        <pc:chgData name="Xin Luo" userId="82312ee5779919a4" providerId="LiveId" clId="{BB46F696-05A3-E847-981C-1ABF183D4160}" dt="2023-08-23T08:02:20.722" v="557" actId="1035"/>
+        <pc:sldMkLst>
+          <pc:docMk/>
+          <pc:sldMk cId="2245643700" sldId="2751"/>
+        </pc:sldMkLst>
+        <pc:spChg chg="mod">
+          <ac:chgData name="Xin Luo" userId="82312ee5779919a4" providerId="LiveId" clId="{BB46F696-05A3-E847-981C-1ABF183D4160}" dt="2023-08-23T08:02:20.722" v="557" actId="1035"/>
+          <ac:spMkLst>
+            <pc:docMk/>
+            <pc:sldMk cId="2245643700" sldId="2751"/>
+            <ac:spMk id="2" creationId="{631AADB6-C88A-D817-4683-FC087E4E240F}"/>
+          </ac:spMkLst>
+        </pc:spChg>
+        <pc:spChg chg="mod">
+          <ac:chgData name="Xin Luo" userId="82312ee5779919a4" providerId="LiveId" clId="{BB46F696-05A3-E847-981C-1ABF183D4160}" dt="2023-08-23T08:02:16.744" v="554" actId="1035"/>
+          <ac:spMkLst>
+            <pc:docMk/>
+            <pc:sldMk cId="2245643700" sldId="2751"/>
+            <ac:spMk id="4" creationId="{5890849C-B6D7-E82C-6F19-E8BC73B44DEE}"/>
+          </ac:spMkLst>
+        </pc:spChg>
+        <pc:spChg chg="mod">
+          <ac:chgData name="Xin Luo" userId="82312ee5779919a4" providerId="LiveId" clId="{BB46F696-05A3-E847-981C-1ABF183D4160}" dt="2023-08-23T08:00:04.541" v="472" actId="14100"/>
+          <ac:spMkLst>
+            <pc:docMk/>
+            <pc:sldMk cId="2245643700" sldId="2751"/>
+            <ac:spMk id="7" creationId="{6A0464DA-16D3-0757-416F-B5FC79C9913C}"/>
+          </ac:spMkLst>
+        </pc:spChg>
+      </pc:sldChg>
+      <pc:sldChg chg="modSp mod">
+        <pc:chgData name="Xin Luo" userId="82312ee5779919a4" providerId="LiveId" clId="{BB46F696-05A3-E847-981C-1ABF183D4160}" dt="2023-08-23T10:59:38.382" v="576" actId="20577"/>
+        <pc:sldMkLst>
+          <pc:docMk/>
+          <pc:sldMk cId="4211155851" sldId="2758"/>
+        </pc:sldMkLst>
+        <pc:spChg chg="mod">
+          <ac:chgData name="Xin Luo" userId="82312ee5779919a4" providerId="LiveId" clId="{BB46F696-05A3-E847-981C-1ABF183D4160}" dt="2023-08-23T10:59:38.382" v="576" actId="20577"/>
+          <ac:spMkLst>
+            <pc:docMk/>
+            <pc:sldMk cId="4211155851" sldId="2758"/>
+            <ac:spMk id="14" creationId="{E7B0D113-1929-C3DF-78B3-7E0AA39E5565}"/>
+          </ac:spMkLst>
+        </pc:spChg>
+      </pc:sldChg>
+      <pc:sldChg chg="modSp mod">
+        <pc:chgData name="Xin Luo" userId="82312ee5779919a4" providerId="LiveId" clId="{BB46F696-05A3-E847-981C-1ABF183D4160}" dt="2023-08-23T11:02:38.254" v="596" actId="20577"/>
+        <pc:sldMkLst>
+          <pc:docMk/>
+          <pc:sldMk cId="2047512068" sldId="2764"/>
+        </pc:sldMkLst>
+        <pc:spChg chg="mod">
+          <ac:chgData name="Xin Luo" userId="82312ee5779919a4" providerId="LiveId" clId="{BB46F696-05A3-E847-981C-1ABF183D4160}" dt="2023-08-23T11:02:38.254" v="596" actId="20577"/>
+          <ac:spMkLst>
+            <pc:docMk/>
+            <pc:sldMk cId="2047512068" sldId="2764"/>
+            <ac:spMk id="6" creationId="{DB970E5D-5367-222C-EBF7-0F886FDEDDC5}"/>
+          </ac:spMkLst>
+        </pc:spChg>
+      </pc:sldChg>
+      <pc:sldChg chg="modSp mod">
+        <pc:chgData name="Xin Luo" userId="82312ee5779919a4" providerId="LiveId" clId="{BB46F696-05A3-E847-981C-1ABF183D4160}" dt="2023-08-23T11:02:01.877" v="593" actId="20577"/>
+        <pc:sldMkLst>
+          <pc:docMk/>
+          <pc:sldMk cId="3657954518" sldId="2769"/>
+        </pc:sldMkLst>
+        <pc:spChg chg="mod">
+          <ac:chgData name="Xin Luo" userId="82312ee5779919a4" providerId="LiveId" clId="{BB46F696-05A3-E847-981C-1ABF183D4160}" dt="2023-08-23T11:02:01.877" v="593" actId="20577"/>
+          <ac:spMkLst>
+            <pc:docMk/>
+            <pc:sldMk cId="3657954518" sldId="2769"/>
+            <ac:spMk id="6" creationId="{DA984439-1B23-1931-1979-ECF8DE9D6DCA}"/>
+          </ac:spMkLst>
+        </pc:spChg>
+      </pc:sldChg>
+    </pc:docChg>
+  </pc:docChgLst>
+  <pc:docChgLst>
     <pc:chgData name="Xin Luo" userId="82312ee5779919a4" providerId="LiveId" clId="{82BFAA31-791A-9843-976C-3AAFAA5AC07D}"/>
     <pc:docChg chg="undo custSel addSld delSld modSld">
       <pc:chgData name="Xin Luo" userId="82312ee5779919a4" providerId="LiveId" clId="{82BFAA31-791A-9843-976C-3AAFAA5AC07D}" dt="2023-02-24T13:20:14.840" v="2906" actId="404"/>
@@ -6983,7 +7091,7 @@
               </a14:hiddenFill>
             </a:ext>
             <a:ext uri="{FAA26D3D-D897-4be2-8F04-BA451C77F1D7}">
-              <ma14:placeholderFlag xmlns:ma14="http://schemas.microsoft.com/office/mac/drawingml/2011/main" xmlns="" val="1"/>
+              <ma14:placeholderFlag xmlns="" xmlns:ma14="http://schemas.microsoft.com/office/mac/drawingml/2011/main" val="1"/>
             </a:ext>
           </a:extLst>
         </p:spPr>
@@ -7367,7 +7475,7 @@
               </a14:hiddenLine>
             </a:ext>
             <a:ext uri="{FAA26D3D-D897-4be2-8F04-BA451C77F1D7}">
-              <ma14:placeholderFlag xmlns:ma14="http://schemas.microsoft.com/office/mac/drawingml/2011/main" xmlns="" val="1"/>
+              <ma14:placeholderFlag xmlns="" xmlns:ma14="http://schemas.microsoft.com/office/mac/drawingml/2011/main" val="1"/>
             </a:ext>
           </a:extLst>
         </p:spPr>
@@ -10239,7 +10347,7 @@
               </a14:hiddenLine>
             </a:ext>
             <a:ext uri="{FAA26D3D-D897-4be2-8F04-BA451C77F1D7}">
-              <ma14:placeholderFlag xmlns:ma14="http://schemas.microsoft.com/office/mac/drawingml/2011/main" xmlns="" val="1"/>
+              <ma14:placeholderFlag xmlns="" xmlns:ma14="http://schemas.microsoft.com/office/mac/drawingml/2011/main" val="1"/>
             </a:ext>
           </a:extLst>
         </p:spPr>
@@ -13930,7 +14038,7 @@
               </a14:hiddenLine>
             </a:ext>
             <a:ext uri="{FAA26D3D-D897-4be2-8F04-BA451C77F1D7}">
-              <ma14:placeholderFlag xmlns:ma14="http://schemas.microsoft.com/office/mac/drawingml/2011/main" xmlns="" val="1"/>
+              <ma14:placeholderFlag xmlns="" xmlns:ma14="http://schemas.microsoft.com/office/mac/drawingml/2011/main" val="1"/>
             </a:ext>
           </a:extLst>
         </p:spPr>
@@ -17091,6 +17199,16 @@
           <a:lstStyle/>
           <a:p>
             <a:r>
+              <a:rPr lang="en-US" dirty="0">
+                <a:solidFill>
+                  <a:schemeClr val="bg2"/>
+                </a:solidFill>
+                <a:latin typeface="+mn-ea"/>
+                <a:ea typeface="+mn-ea"/>
+              </a:rPr>
+              <a:t>K</a:t>
+            </a:r>
+            <a:r>
               <a:rPr lang="en-CN" dirty="0">
                 <a:solidFill>
                   <a:schemeClr val="bg2"/>
@@ -17098,7 +17216,7 @@
                 <a:latin typeface="+mn-ea"/>
                 <a:ea typeface="+mn-ea"/>
               </a:rPr>
-              <a:t>昆明市呈贡区边界_wgs84</a:t>
+              <a:t>unming_districts</a:t>
             </a:r>
             <a:r>
               <a:rPr lang="en-US" altLang="zh-CN" dirty="0">
@@ -18974,8 +19092,8 @@
         </p:nvSpPr>
         <p:spPr>
           <a:xfrm>
-            <a:off x="342379" y="1547572"/>
-            <a:ext cx="8508670" cy="5046959"/>
+            <a:off x="342379" y="1466548"/>
+            <a:ext cx="8141864" cy="5046959"/>
           </a:xfrm>
           <a:prstGeom prst="rect">
             <a:avLst/>
@@ -19301,7 +19419,7 @@
                 <a:latin typeface="+mn-ea"/>
                 <a:ea typeface="+mn-ea"/>
               </a:rPr>
-              <a:t>：用于一个完整要素（</a:t>
+              <a:t>：用于一个完整特征（</a:t>
             </a:r>
             <a:r>
               <a:rPr lang="en-US" altLang="zh-CN" sz="2000" dirty="0">
@@ -19729,8 +19847,8 @@
         </p:nvSpPr>
         <p:spPr>
           <a:xfrm>
-            <a:off x="627797" y="1884344"/>
-            <a:ext cx="7888406" cy="3046988"/>
+            <a:off x="562482" y="1699149"/>
+            <a:ext cx="7888406" cy="3351046"/>
           </a:xfrm>
           <a:prstGeom prst="rect">
             <a:avLst/>
@@ -19743,7 +19861,11 @@
           </a:bodyPr>
           <a:lstStyle/>
           <a:p>
-            <a:pPr algn="just"/>
+            <a:pPr algn="just">
+              <a:lnSpc>
+                <a:spcPct val="150000"/>
+              </a:lnSpc>
+            </a:pPr>
             <a:r>
               <a:rPr lang="en-US" altLang="zh-CN" dirty="0">
                 <a:solidFill>
@@ -19813,7 +19935,11 @@
             </a:endParaRPr>
           </a:p>
           <a:p>
-            <a:pPr algn="just"/>
+            <a:pPr algn="just">
+              <a:lnSpc>
+                <a:spcPct val="150000"/>
+              </a:lnSpc>
+            </a:pPr>
             <a:endParaRPr lang="en-US" altLang="zh-CN" dirty="0">
               <a:solidFill>
                 <a:schemeClr val="bg2"/>
@@ -19823,7 +19949,11 @@
             </a:endParaRPr>
           </a:p>
           <a:p>
-            <a:pPr algn="just"/>
+            <a:pPr algn="just">
+              <a:lnSpc>
+                <a:spcPct val="150000"/>
+              </a:lnSpc>
+            </a:pPr>
             <a:endParaRPr lang="en-US" dirty="0">
               <a:solidFill>
                 <a:schemeClr val="bg2"/>
@@ -19833,17 +19963,11 @@
             </a:endParaRPr>
           </a:p>
           <a:p>
-            <a:pPr algn="just"/>
-            <a:endParaRPr lang="en-US" dirty="0">
-              <a:solidFill>
-                <a:schemeClr val="bg2"/>
-              </a:solidFill>
-              <a:latin typeface="+mn-ea"/>
-              <a:ea typeface="+mn-ea"/>
-            </a:endParaRPr>
-          </a:p>
-          <a:p>
-            <a:pPr algn="just"/>
+            <a:pPr algn="just">
+              <a:lnSpc>
+                <a:spcPct val="150000"/>
+              </a:lnSpc>
+            </a:pPr>
             <a:endParaRPr lang="en-CN" dirty="0">
               <a:solidFill>
                 <a:schemeClr val="bg2"/>
@@ -20823,8 +20947,8 @@
         </p:nvSpPr>
         <p:spPr>
           <a:xfrm>
-            <a:off x="463695" y="2053629"/>
-            <a:ext cx="8085979" cy="2063835"/>
+            <a:off x="463695" y="1872358"/>
+            <a:ext cx="8085979" cy="1556003"/>
           </a:xfrm>
           <a:prstGeom prst="rect">
             <a:avLst/>
@@ -20843,6 +20967,76 @@
               </a:lnSpc>
             </a:pPr>
             <a:r>
+              <a:rPr lang="zh-CN" altLang="en-US" sz="2200" dirty="0">
+                <a:solidFill>
+                  <a:srgbClr val="333333"/>
+                </a:solidFill>
+                <a:latin typeface="+mn-ea"/>
+                <a:ea typeface="+mn-ea"/>
+              </a:rPr>
+              <a:t>利用开源</a:t>
+            </a:r>
+            <a:r>
+              <a:rPr lang="en-US" altLang="zh-CN" sz="2200" dirty="0">
+                <a:solidFill>
+                  <a:srgbClr val="333333"/>
+                </a:solidFill>
+                <a:latin typeface="+mn-ea"/>
+                <a:ea typeface="+mn-ea"/>
+              </a:rPr>
+              <a:t>python</a:t>
+            </a:r>
+            <a:r>
+              <a:rPr lang="zh-CN" altLang="en-US" sz="2200" dirty="0">
+                <a:solidFill>
+                  <a:srgbClr val="333333"/>
+                </a:solidFill>
+                <a:latin typeface="+mn-ea"/>
+                <a:ea typeface="+mn-ea"/>
+              </a:rPr>
+              <a:t>库，新建</a:t>
+            </a:r>
+            <a:r>
+              <a:rPr lang="en-US" altLang="zh-CN" sz="2200" dirty="0">
+                <a:solidFill>
+                  <a:srgbClr val="333333"/>
+                </a:solidFill>
+                <a:latin typeface="+mn-ea"/>
+                <a:ea typeface="+mn-ea"/>
+              </a:rPr>
+              <a:t>1</a:t>
+            </a:r>
+            <a:r>
+              <a:rPr lang="zh-CN" altLang="en-US" sz="2200" dirty="0">
+                <a:solidFill>
+                  <a:srgbClr val="333333"/>
+                </a:solidFill>
+                <a:latin typeface="+mn-ea"/>
+                <a:ea typeface="+mn-ea"/>
+              </a:rPr>
+              <a:t>）云南大学（呈贡校区）面要素图层、</a:t>
+            </a:r>
+            <a:r>
+              <a:rPr lang="en-US" altLang="zh-CN" sz="2200" dirty="0">
+                <a:solidFill>
+                  <a:srgbClr val="333333"/>
+                </a:solidFill>
+                <a:latin typeface="+mn-ea"/>
+                <a:ea typeface="+mn-ea"/>
+              </a:rPr>
+              <a:t>2</a:t>
+            </a:r>
+            <a:r>
+              <a:rPr lang="zh-CN" altLang="en-US" sz="2200" dirty="0">
+                <a:solidFill>
+                  <a:srgbClr val="333333"/>
+                </a:solidFill>
+                <a:latin typeface="+mn-ea"/>
+                <a:ea typeface="+mn-ea"/>
+              </a:rPr>
+              <a:t>）云南大学地科学院、及云南大学各校园大门点要素图层，设置距离字段</a:t>
+            </a:r>
+            <a:r>
               <a:rPr lang="zh-CN" altLang="en-US" sz="2200">
                 <a:solidFill>
                   <a:srgbClr val="333333"/>
@@ -20850,7 +21044,7 @@
                 <a:latin typeface="+mn-ea"/>
                 <a:ea typeface="+mn-ea"/>
               </a:rPr>
-              <a:t>利用</a:t>
+              <a:t>，计算地球</a:t>
             </a:r>
             <a:r>
               <a:rPr lang="zh-CN" altLang="en-US" sz="2200" dirty="0">
@@ -20860,27 +21054,7 @@
                 <a:latin typeface="+mn-ea"/>
                 <a:ea typeface="+mn-ea"/>
               </a:rPr>
-              <a:t>开源</a:t>
-            </a:r>
-            <a:r>
-              <a:rPr lang="en-US" altLang="zh-CN" sz="2200" dirty="0">
-                <a:solidFill>
-                  <a:srgbClr val="333333"/>
-                </a:solidFill>
-                <a:latin typeface="+mn-ea"/>
-                <a:ea typeface="+mn-ea"/>
-              </a:rPr>
-              <a:t>python</a:t>
-            </a:r>
-            <a:r>
-              <a:rPr lang="zh-CN" altLang="en-US" sz="2200" dirty="0">
-                <a:solidFill>
-                  <a:srgbClr val="333333"/>
-                </a:solidFill>
-                <a:latin typeface="+mn-ea"/>
-                <a:ea typeface="+mn-ea"/>
-              </a:rPr>
-              <a:t>库，新建云南大学（呈贡校区）范围面要素图层、包括云南大学地科学院、及云南大学各出入校园大门地点点要素图层，设置距离字段，距离字段值为地球科学学院距离各处大门的直线距离。</a:t>
+              <a:t>科学学院距离各处大门的直线距离。</a:t>
             </a:r>
             <a:endParaRPr lang="en-US" altLang="zh-CN" sz="2200" dirty="0">
               <a:solidFill>
@@ -22445,7 +22619,7 @@
         </p:nvSpPr>
         <p:spPr>
           <a:xfrm>
-            <a:off x="317665" y="846748"/>
+            <a:off x="317665" y="812023"/>
             <a:ext cx="8508670" cy="662489"/>
           </a:xfrm>
           <a:prstGeom prst="rect">
@@ -22508,8 +22682,8 @@
         </p:nvSpPr>
         <p:spPr>
           <a:xfrm>
-            <a:off x="317665" y="1509237"/>
-            <a:ext cx="8508669" cy="4721101"/>
+            <a:off x="277794" y="1370097"/>
+            <a:ext cx="8629565" cy="5444888"/>
           </a:xfrm>
           <a:prstGeom prst="rect">
             <a:avLst/>
@@ -22528,26 +22702,136 @@
               </a:lnSpc>
             </a:pPr>
             <a:r>
-              <a:rPr lang="zh-CN" altLang="en-US" sz="2100" b="1" dirty="0">
+              <a:rPr lang="zh-CN" altLang="en-US" sz="1800" b="1" dirty="0">
                 <a:solidFill>
                   <a:srgbClr val="333333"/>
                 </a:solidFill>
                 <a:latin typeface="+mn-ea"/>
                 <a:ea typeface="+mn-ea"/>
               </a:rPr>
-              <a:t>变量：</a:t>
-            </a:r>
-            <a:r>
-              <a:rPr lang="zh-CN" altLang="en-US" sz="2100" dirty="0">
+              <a:t>数据类型：</a:t>
+            </a:r>
+            <a:r>
+              <a:rPr lang="en-US" altLang="zh-CN" sz="1800" dirty="0">
                 <a:solidFill>
                   <a:srgbClr val="333333"/>
                 </a:solidFill>
                 <a:latin typeface="+mn-ea"/>
                 <a:ea typeface="+mn-ea"/>
               </a:rPr>
-              <a:t>可以看成一个小箱子，专门用来“盛装”程序中的数据。</a:t>
-            </a:r>
-            <a:endParaRPr lang="en-US" altLang="zh-CN" sz="2100" dirty="0">
+              <a:t>bool</a:t>
+            </a:r>
+            <a:r>
+              <a:rPr lang="zh-CN" altLang="en-US" sz="1800" dirty="0">
+                <a:solidFill>
+                  <a:srgbClr val="333333"/>
+                </a:solidFill>
+                <a:latin typeface="+mn-ea"/>
+                <a:ea typeface="+mn-ea"/>
+              </a:rPr>
+              <a:t>（布尔）、数字（</a:t>
+            </a:r>
+            <a:r>
+              <a:rPr lang="en-US" altLang="zh-CN" sz="1800" dirty="0">
+                <a:solidFill>
+                  <a:srgbClr val="333333"/>
+                </a:solidFill>
+                <a:latin typeface="+mn-ea"/>
+                <a:ea typeface="+mn-ea"/>
+              </a:rPr>
+              <a:t>number</a:t>
+            </a:r>
+            <a:r>
+              <a:rPr lang="zh-CN" altLang="en-US" sz="1800" dirty="0">
+                <a:solidFill>
+                  <a:srgbClr val="333333"/>
+                </a:solidFill>
+                <a:latin typeface="+mn-ea"/>
+                <a:ea typeface="+mn-ea"/>
+              </a:rPr>
+              <a:t>）、</a:t>
+            </a:r>
+            <a:r>
+              <a:rPr lang="en-US" altLang="zh-CN" sz="1800" dirty="0">
+                <a:solidFill>
+                  <a:srgbClr val="333333"/>
+                </a:solidFill>
+                <a:latin typeface="+mn-ea"/>
+                <a:ea typeface="+mn-ea"/>
+              </a:rPr>
+              <a:t>string</a:t>
+            </a:r>
+            <a:r>
+              <a:rPr lang="zh-CN" altLang="en-US" sz="1800" dirty="0">
+                <a:solidFill>
+                  <a:srgbClr val="333333"/>
+                </a:solidFill>
+                <a:latin typeface="+mn-ea"/>
+                <a:ea typeface="+mn-ea"/>
+              </a:rPr>
+              <a:t>（字符串）、</a:t>
+            </a:r>
+            <a:r>
+              <a:rPr lang="en-US" altLang="zh-CN" sz="1800" dirty="0">
+                <a:solidFill>
+                  <a:srgbClr val="333333"/>
+                </a:solidFill>
+                <a:latin typeface="+mn-ea"/>
+                <a:ea typeface="+mn-ea"/>
+              </a:rPr>
+              <a:t>list</a:t>
+            </a:r>
+            <a:r>
+              <a:rPr lang="zh-CN" altLang="en-US" sz="1800" dirty="0">
+                <a:solidFill>
+                  <a:srgbClr val="333333"/>
+                </a:solidFill>
+                <a:latin typeface="+mn-ea"/>
+                <a:ea typeface="+mn-ea"/>
+              </a:rPr>
+              <a:t>（列表）、</a:t>
+            </a:r>
+            <a:r>
+              <a:rPr lang="en-US" altLang="zh-CN" sz="1800" dirty="0">
+                <a:solidFill>
+                  <a:srgbClr val="333333"/>
+                </a:solidFill>
+                <a:latin typeface="+mn-ea"/>
+                <a:ea typeface="+mn-ea"/>
+              </a:rPr>
+              <a:t>Dictionary</a:t>
+            </a:r>
+            <a:r>
+              <a:rPr lang="zh-CN" altLang="en-US" sz="1800" dirty="0">
+                <a:solidFill>
+                  <a:srgbClr val="333333"/>
+                </a:solidFill>
+                <a:latin typeface="+mn-ea"/>
+                <a:ea typeface="+mn-ea"/>
+              </a:rPr>
+              <a:t>（字典）、</a:t>
+            </a:r>
+            <a:r>
+              <a:rPr lang="en-US" altLang="zh-CN" sz="1800" dirty="0">
+                <a:solidFill>
+                  <a:srgbClr val="333333"/>
+                </a:solidFill>
+                <a:latin typeface="+mn-ea"/>
+                <a:ea typeface="+mn-ea"/>
+              </a:rPr>
+              <a:t>Set</a:t>
+            </a:r>
+            <a:r>
+              <a:rPr lang="zh-CN" altLang="en-US" sz="1800" dirty="0">
+                <a:solidFill>
+                  <a:srgbClr val="333333"/>
+                </a:solidFill>
+                <a:latin typeface="+mn-ea"/>
+                <a:ea typeface="+mn-ea"/>
+              </a:rPr>
+              <a:t>（集合）。</a:t>
+            </a:r>
+            <a:endParaRPr lang="en-US" altLang="zh-CN" sz="1800" dirty="0">
               <a:solidFill>
                 <a:srgbClr val="333333"/>
               </a:solidFill>
@@ -22562,26 +22846,26 @@
               </a:lnSpc>
             </a:pPr>
             <a:r>
-              <a:rPr lang="zh-CN" altLang="en-US" sz="2100" b="1" dirty="0">
+              <a:rPr lang="zh-CN" altLang="en-US" sz="1800" b="1" dirty="0">
                 <a:solidFill>
                   <a:srgbClr val="333333"/>
                 </a:solidFill>
                 <a:latin typeface="+mn-ea"/>
                 <a:ea typeface="+mn-ea"/>
               </a:rPr>
-              <a:t>序列：</a:t>
-            </a:r>
-            <a:r>
-              <a:rPr lang="zh-CN" altLang="en-US" sz="2100" dirty="0">
+              <a:t>变量与赋值：</a:t>
+            </a:r>
+            <a:r>
+              <a:rPr lang="zh-CN" altLang="en-US" sz="1800" dirty="0">
                 <a:solidFill>
                   <a:srgbClr val="333333"/>
                 </a:solidFill>
                 <a:latin typeface="+mn-ea"/>
                 <a:ea typeface="+mn-ea"/>
               </a:rPr>
-              <a:t>指的是一块可存放多个值的连续内存空间；</a:t>
-            </a:r>
-            <a:endParaRPr lang="en-US" altLang="zh-CN" sz="2100" dirty="0">
+              <a:t>可以看成一个小箱子，专门用来“盛装”程序中的数据。</a:t>
+            </a:r>
+            <a:endParaRPr lang="en-US" altLang="zh-CN" sz="1800" dirty="0">
               <a:solidFill>
                 <a:srgbClr val="333333"/>
               </a:solidFill>
@@ -22596,7 +22880,7 @@
               </a:lnSpc>
             </a:pPr>
             <a:r>
-              <a:rPr lang="zh-CN" altLang="en-US" sz="2100" b="1" dirty="0">
+              <a:rPr lang="zh-CN" altLang="en-US" sz="1800" b="1" dirty="0">
                 <a:solidFill>
                   <a:srgbClr val="333333"/>
                 </a:solidFill>
@@ -22606,7 +22890,7 @@
               <a:t>条件判断</a:t>
             </a:r>
             <a:r>
-              <a:rPr lang="zh-CN" altLang="en-US" sz="2100" dirty="0">
+              <a:rPr lang="zh-CN" altLang="en-US" sz="1800" dirty="0">
                 <a:solidFill>
                   <a:srgbClr val="333333"/>
                 </a:solidFill>
@@ -22616,7 +22900,7 @@
               <a:t>：通过一条或多条判断语句的执行结果（</a:t>
             </a:r>
             <a:r>
-              <a:rPr lang="en-US" sz="2100" dirty="0">
+              <a:rPr lang="en-US" sz="1800" dirty="0">
                 <a:solidFill>
                   <a:srgbClr val="333333"/>
                 </a:solidFill>
@@ -22626,7 +22910,7 @@
               <a:t>True</a:t>
             </a:r>
             <a:r>
-              <a:rPr lang="zh-CN" altLang="en-US" sz="2100" dirty="0">
+              <a:rPr lang="zh-CN" altLang="en-US" sz="1800" dirty="0">
                 <a:solidFill>
                   <a:srgbClr val="333333"/>
                 </a:solidFill>
@@ -22636,7 +22920,7 @@
               <a:t>或者</a:t>
             </a:r>
             <a:r>
-              <a:rPr lang="en-US" sz="2100" dirty="0">
+              <a:rPr lang="en-US" sz="1800" dirty="0">
                 <a:solidFill>
                   <a:srgbClr val="333333"/>
                 </a:solidFill>
@@ -22646,7 +22930,7 @@
               <a:t>False）</a:t>
             </a:r>
             <a:r>
-              <a:rPr lang="zh-CN" altLang="en-US" sz="2100" dirty="0">
+              <a:rPr lang="zh-CN" altLang="en-US" sz="1800" dirty="0">
                 <a:solidFill>
                   <a:srgbClr val="333333"/>
                 </a:solidFill>
@@ -22656,7 +22940,7 @@
               <a:t>来决定执行的代码块。（</a:t>
             </a:r>
             <a:r>
-              <a:rPr lang="en-US" altLang="zh-CN" sz="2100" dirty="0">
+              <a:rPr lang="en-US" altLang="zh-CN" sz="1800" dirty="0">
                 <a:solidFill>
                   <a:srgbClr val="333333"/>
                 </a:solidFill>
@@ -22666,7 +22950,7 @@
               <a:t>if…else…</a:t>
             </a:r>
             <a:r>
-              <a:rPr lang="zh-CN" altLang="en-US" sz="2100" dirty="0">
+              <a:rPr lang="zh-CN" altLang="en-US" sz="1800" dirty="0">
                 <a:solidFill>
                   <a:srgbClr val="333333"/>
                 </a:solidFill>
@@ -22675,7 +22959,7 @@
               </a:rPr>
               <a:t>）</a:t>
             </a:r>
-            <a:endParaRPr lang="en-US" altLang="zh-CN" sz="2100" dirty="0">
+            <a:endParaRPr lang="en-US" altLang="zh-CN" sz="1800" dirty="0">
               <a:solidFill>
                 <a:srgbClr val="333333"/>
               </a:solidFill>
@@ -22690,7 +22974,7 @@
               </a:lnSpc>
             </a:pPr>
             <a:r>
-              <a:rPr lang="zh-CN" altLang="en-US" sz="2100" b="1" dirty="0">
+              <a:rPr lang="zh-CN" altLang="en-US" sz="1800" b="1" dirty="0">
                 <a:solidFill>
                   <a:srgbClr val="333333"/>
                 </a:solidFill>
@@ -22700,7 +22984,7 @@
               <a:t>循环：</a:t>
             </a:r>
             <a:r>
-              <a:rPr lang="zh-CN" altLang="en-US" sz="2100" dirty="0">
+              <a:rPr lang="zh-CN" altLang="en-US" sz="1800" dirty="0">
                 <a:solidFill>
                   <a:srgbClr val="333333"/>
                 </a:solidFill>
@@ -22710,7 +22994,7 @@
               <a:t>指自动化、重复多次执行相似的任务。</a:t>
             </a:r>
             <a:r>
-              <a:rPr lang="en-US" altLang="zh-CN" sz="2100" dirty="0">
+              <a:rPr lang="en-US" altLang="zh-CN" sz="1800" dirty="0">
                 <a:solidFill>
                   <a:srgbClr val="333333"/>
                 </a:solidFill>
@@ -22727,7 +23011,7 @@
               </a:lnSpc>
             </a:pPr>
             <a:r>
-              <a:rPr lang="zh-CN" altLang="en-US" sz="2100" b="1" dirty="0">
+              <a:rPr lang="zh-CN" altLang="en-US" sz="1800" b="1" dirty="0">
                 <a:solidFill>
                   <a:srgbClr val="333333"/>
                 </a:solidFill>
@@ -22737,7 +23021,7 @@
               <a:t>函数：</a:t>
             </a:r>
             <a:r>
-              <a:rPr lang="zh-CN" altLang="en-US" sz="2100" dirty="0">
+              <a:rPr lang="zh-CN" altLang="en-US" sz="1800" dirty="0">
                 <a:solidFill>
                   <a:srgbClr val="333333"/>
                 </a:solidFill>
@@ -22746,7 +23030,7 @@
               </a:rPr>
               <a:t>一个可重复使用的代码块，当它被调用时执行某种功能。</a:t>
             </a:r>
-            <a:endParaRPr lang="en-US" altLang="zh-CN" sz="2100" dirty="0">
+            <a:endParaRPr lang="en-US" altLang="zh-CN" sz="1800" dirty="0">
               <a:solidFill>
                 <a:srgbClr val="333333"/>
               </a:solidFill>
@@ -22761,7 +23045,7 @@
               </a:lnSpc>
             </a:pPr>
             <a:r>
-              <a:rPr lang="zh-CN" altLang="en-US" sz="2100" b="1" dirty="0">
+              <a:rPr lang="zh-CN" altLang="en-US" sz="1800" b="1" dirty="0">
                 <a:solidFill>
                   <a:srgbClr val="333333"/>
                 </a:solidFill>
@@ -22771,7 +23055,7 @@
               <a:t>模块：</a:t>
             </a:r>
             <a:r>
-              <a:rPr lang="zh-CN" altLang="en-US" sz="2100" dirty="0">
+              <a:rPr lang="zh-CN" altLang="en-US" sz="1800" dirty="0">
                 <a:solidFill>
                   <a:srgbClr val="333333"/>
                 </a:solidFill>
@@ -22780,7 +23064,91 @@
               </a:rPr>
               <a:t>指用一系列代码实现了某个功能的代码集合。通常一个模块由多个函数构成。通过模块调用能大幅度提高编程效率。</a:t>
             </a:r>
-            <a:endParaRPr lang="en-US" altLang="zh-CN" sz="2100" dirty="0">
+            <a:endParaRPr lang="en-US" altLang="zh-CN" sz="1800" dirty="0">
+              <a:solidFill>
+                <a:srgbClr val="333333"/>
+              </a:solidFill>
+              <a:latin typeface="+mn-ea"/>
+              <a:ea typeface="+mn-ea"/>
+            </a:endParaRPr>
+          </a:p>
+          <a:p>
+            <a:pPr algn="just">
+              <a:lnSpc>
+                <a:spcPct val="150000"/>
+              </a:lnSpc>
+            </a:pPr>
+            <a:r>
+              <a:rPr lang="zh-CN" altLang="en-US" sz="1800" b="1" dirty="0">
+                <a:solidFill>
+                  <a:srgbClr val="333333"/>
+                </a:solidFill>
+                <a:latin typeface="+mn-ea"/>
+                <a:ea typeface="+mn-ea"/>
+              </a:rPr>
+              <a:t>软件包调用：</a:t>
+            </a:r>
+            <a:r>
+              <a:rPr lang="zh-CN" altLang="en-US" sz="1800" dirty="0">
+                <a:solidFill>
+                  <a:srgbClr val="333333"/>
+                </a:solidFill>
+                <a:latin typeface="+mn-ea"/>
+                <a:ea typeface="+mn-ea"/>
+              </a:rPr>
+              <a:t>为了对多个模块进行有效管理，</a:t>
+            </a:r>
+            <a:r>
+              <a:rPr lang="en-US" sz="1800" dirty="0">
+                <a:solidFill>
+                  <a:srgbClr val="333333"/>
+                </a:solidFill>
+                <a:latin typeface="+mn-ea"/>
+                <a:ea typeface="+mn-ea"/>
+              </a:rPr>
+              <a:t>Python</a:t>
+            </a:r>
+            <a:r>
+              <a:rPr lang="zh-CN" altLang="en-US" sz="1800" dirty="0">
+                <a:solidFill>
+                  <a:srgbClr val="333333"/>
+                </a:solidFill>
+                <a:latin typeface="+mn-ea"/>
+                <a:ea typeface="+mn-ea"/>
+              </a:rPr>
+              <a:t>引入了按目录来组织模块的方法，该目录称为包（</a:t>
+            </a:r>
+            <a:r>
+              <a:rPr lang="en-US" sz="1800" dirty="0">
+                <a:solidFill>
+                  <a:srgbClr val="333333"/>
+                </a:solidFill>
+                <a:latin typeface="+mn-ea"/>
+                <a:ea typeface="+mn-ea"/>
+              </a:rPr>
+              <a:t>Package）</a:t>
+            </a:r>
+            <a:r>
+              <a:rPr lang="zh-CN" altLang="en-US" sz="1800" dirty="0">
+                <a:solidFill>
+                  <a:srgbClr val="333333"/>
+                </a:solidFill>
+                <a:latin typeface="+mn-ea"/>
+                <a:ea typeface="+mn-ea"/>
+              </a:rPr>
+              <a:t>，软件包调用与模块调用类似</a:t>
+            </a:r>
+            <a:r>
+              <a:rPr lang="en-US" sz="1800" dirty="0">
+                <a:solidFill>
+                  <a:srgbClr val="333333"/>
+                </a:solidFill>
+                <a:latin typeface="+mn-ea"/>
+                <a:ea typeface="+mn-ea"/>
+              </a:rPr>
+              <a:t>。</a:t>
+            </a:r>
+            <a:endParaRPr lang="en-US" altLang="zh-CN" sz="1800" dirty="0">
               <a:solidFill>
                 <a:srgbClr val="333333"/>
               </a:solidFill>
@@ -22804,8 +23172,8 @@
         </p:nvSpPr>
         <p:spPr>
           <a:xfrm>
-            <a:off x="317665" y="6403785"/>
-            <a:ext cx="8695706" cy="400110"/>
+            <a:off x="6875362" y="6495664"/>
+            <a:ext cx="2268638" cy="338554"/>
           </a:xfrm>
           <a:prstGeom prst="rect">
             <a:avLst/>
@@ -22820,7 +23188,7 @@
           <a:p>
             <a:pPr algn="r"/>
             <a:r>
-              <a:rPr lang="en-US" altLang="zh-CN" sz="2000" b="1" i="1" dirty="0">
+              <a:rPr lang="en-US" altLang="zh-CN" sz="1600" b="1" i="1" dirty="0">
                 <a:solidFill>
                   <a:schemeClr val="bg1"/>
                 </a:solidFill>
@@ -22830,7 +23198,7 @@
               <a:t>…</a:t>
             </a:r>
             <a:r>
-              <a:rPr lang="zh-CN" altLang="en-US" sz="2000" b="1" i="1" dirty="0">
+              <a:rPr lang="zh-CN" altLang="en-US" sz="1600" b="1" i="1" dirty="0">
                 <a:solidFill>
                   <a:schemeClr val="bg1"/>
                 </a:solidFill>
@@ -22840,7 +23208,7 @@
               </a:rPr>
               <a:t>附代码讲解</a:t>
             </a:r>
-            <a:endParaRPr lang="en-CN" sz="2000" b="1" i="1" dirty="0">
+            <a:endParaRPr lang="en-CN" sz="1600" b="1" i="1" dirty="0">
               <a:solidFill>
                 <a:schemeClr val="bg1"/>
               </a:solidFill>

--- a/第4章-矢量数据处理-8课时/第4章-矢量数据处理.pptx
+++ b/第4章-矢量数据处理-8课时/第4章-矢量数据处理.pptx
@@ -5170,6 +5170,350 @@
     </pc:docChg>
   </pc:docChgLst>
   <pc:docChgLst>
+    <pc:chgData name="Xin Luo" userId="82312ee5779919a4" providerId="LiveId" clId="{23920C8D-EBCE-A347-9C82-C14316D20539}"/>
+    <pc:docChg chg="undo custSel addSld modSld">
+      <pc:chgData name="Xin Luo" userId="82312ee5779919a4" providerId="LiveId" clId="{23920C8D-EBCE-A347-9C82-C14316D20539}" dt="2022-10-26T12:19:06.428" v="501" actId="767"/>
+      <pc:docMkLst>
+        <pc:docMk/>
+      </pc:docMkLst>
+      <pc:sldChg chg="modSp mod">
+        <pc:chgData name="Xin Luo" userId="82312ee5779919a4" providerId="LiveId" clId="{23920C8D-EBCE-A347-9C82-C14316D20539}" dt="2022-10-10T01:06:29.261" v="368" actId="404"/>
+        <pc:sldMkLst>
+          <pc:docMk/>
+          <pc:sldMk cId="1576120367" sldId="2387"/>
+        </pc:sldMkLst>
+        <pc:spChg chg="mod">
+          <ac:chgData name="Xin Luo" userId="82312ee5779919a4" providerId="LiveId" clId="{23920C8D-EBCE-A347-9C82-C14316D20539}" dt="2022-10-10T01:06:29.261" v="368" actId="404"/>
+          <ac:spMkLst>
+            <pc:docMk/>
+            <pc:sldMk cId="1576120367" sldId="2387"/>
+            <ac:spMk id="10" creationId="{00000000-0000-0000-0000-000000000000}"/>
+          </ac:spMkLst>
+        </pc:spChg>
+        <pc:spChg chg="mod">
+          <ac:chgData name="Xin Luo" userId="82312ee5779919a4" providerId="LiveId" clId="{23920C8D-EBCE-A347-9C82-C14316D20539}" dt="2022-10-10T01:06:13.262" v="366" actId="403"/>
+          <ac:spMkLst>
+            <pc:docMk/>
+            <pc:sldMk cId="1576120367" sldId="2387"/>
+            <ac:spMk id="12" creationId="{00000000-0000-0000-0000-000000000000}"/>
+          </ac:spMkLst>
+        </pc:spChg>
+        <pc:spChg chg="mod">
+          <ac:chgData name="Xin Luo" userId="82312ee5779919a4" providerId="LiveId" clId="{23920C8D-EBCE-A347-9C82-C14316D20539}" dt="2022-10-10T01:06:29.261" v="368" actId="404"/>
+          <ac:spMkLst>
+            <pc:docMk/>
+            <pc:sldMk cId="1576120367" sldId="2387"/>
+            <ac:spMk id="13" creationId="{00000000-0000-0000-0000-000000000000}"/>
+          </ac:spMkLst>
+        </pc:spChg>
+        <pc:spChg chg="mod">
+          <ac:chgData name="Xin Luo" userId="82312ee5779919a4" providerId="LiveId" clId="{23920C8D-EBCE-A347-9C82-C14316D20539}" dt="2022-10-10T01:06:13.262" v="366" actId="403"/>
+          <ac:spMkLst>
+            <pc:docMk/>
+            <pc:sldMk cId="1576120367" sldId="2387"/>
+            <ac:spMk id="14" creationId="{00000000-0000-0000-0000-000000000000}"/>
+          </ac:spMkLst>
+        </pc:spChg>
+        <pc:spChg chg="mod">
+          <ac:chgData name="Xin Luo" userId="82312ee5779919a4" providerId="LiveId" clId="{23920C8D-EBCE-A347-9C82-C14316D20539}" dt="2022-10-10T01:06:29.261" v="368" actId="404"/>
+          <ac:spMkLst>
+            <pc:docMk/>
+            <pc:sldMk cId="1576120367" sldId="2387"/>
+            <ac:spMk id="15" creationId="{00000000-0000-0000-0000-000000000000}"/>
+          </ac:spMkLst>
+        </pc:spChg>
+        <pc:spChg chg="mod">
+          <ac:chgData name="Xin Luo" userId="82312ee5779919a4" providerId="LiveId" clId="{23920C8D-EBCE-A347-9C82-C14316D20539}" dt="2022-10-10T01:06:19.369" v="367" actId="14100"/>
+          <ac:spMkLst>
+            <pc:docMk/>
+            <pc:sldMk cId="1576120367" sldId="2387"/>
+            <ac:spMk id="16" creationId="{00000000-0000-0000-0000-000000000000}"/>
+          </ac:spMkLst>
+        </pc:spChg>
+      </pc:sldChg>
+      <pc:sldChg chg="modSp mod">
+        <pc:chgData name="Xin Luo" userId="82312ee5779919a4" providerId="LiveId" clId="{23920C8D-EBCE-A347-9C82-C14316D20539}" dt="2022-10-10T01:06:39.449" v="369" actId="403"/>
+        <pc:sldMkLst>
+          <pc:docMk/>
+          <pc:sldMk cId="2415901206" sldId="2447"/>
+        </pc:sldMkLst>
+        <pc:spChg chg="mod">
+          <ac:chgData name="Xin Luo" userId="82312ee5779919a4" providerId="LiveId" clId="{23920C8D-EBCE-A347-9C82-C14316D20539}" dt="2022-10-10T01:06:39.449" v="369" actId="403"/>
+          <ac:spMkLst>
+            <pc:docMk/>
+            <pc:sldMk cId="2415901206" sldId="2447"/>
+            <ac:spMk id="7" creationId="{00000000-0000-0000-0000-000000000000}"/>
+          </ac:spMkLst>
+        </pc:spChg>
+      </pc:sldChg>
+      <pc:sldChg chg="addSp delSp modSp mod">
+        <pc:chgData name="Xin Luo" userId="82312ee5779919a4" providerId="LiveId" clId="{23920C8D-EBCE-A347-9C82-C14316D20539}" dt="2022-10-26T11:18:20.490" v="500"/>
+        <pc:sldMkLst>
+          <pc:docMk/>
+          <pc:sldMk cId="2689840772" sldId="2604"/>
+        </pc:sldMkLst>
+        <pc:spChg chg="mod">
+          <ac:chgData name="Xin Luo" userId="82312ee5779919a4" providerId="LiveId" clId="{23920C8D-EBCE-A347-9C82-C14316D20539}" dt="2022-10-26T11:18:14.630" v="497" actId="1038"/>
+          <ac:spMkLst>
+            <pc:docMk/>
+            <pc:sldMk cId="2689840772" sldId="2604"/>
+            <ac:spMk id="2" creationId="{DB381E7B-A050-4BE4-6756-9B64308C74D7}"/>
+          </ac:spMkLst>
+        </pc:spChg>
+        <pc:spChg chg="del mod">
+          <ac:chgData name="Xin Luo" userId="82312ee5779919a4" providerId="LiveId" clId="{23920C8D-EBCE-A347-9C82-C14316D20539}" dt="2022-10-10T00:58:26.498" v="9" actId="478"/>
+          <ac:spMkLst>
+            <pc:docMk/>
+            <pc:sldMk cId="2689840772" sldId="2604"/>
+            <ac:spMk id="3" creationId="{00000000-0000-0000-0000-000000000000}"/>
+          </ac:spMkLst>
+        </pc:spChg>
+        <pc:spChg chg="add del mod">
+          <ac:chgData name="Xin Luo" userId="82312ee5779919a4" providerId="LiveId" clId="{23920C8D-EBCE-A347-9C82-C14316D20539}" dt="2022-10-26T11:18:20.490" v="500"/>
+          <ac:spMkLst>
+            <pc:docMk/>
+            <pc:sldMk cId="2689840772" sldId="2604"/>
+            <ac:spMk id="3" creationId="{0AC6D251-AEF6-35BE-71D5-DE25EAD72977}"/>
+          </ac:spMkLst>
+        </pc:spChg>
+        <pc:spChg chg="add mod">
+          <ac:chgData name="Xin Luo" userId="82312ee5779919a4" providerId="LiveId" clId="{23920C8D-EBCE-A347-9C82-C14316D20539}" dt="2022-10-10T01:03:50.909" v="356" actId="20577"/>
+          <ac:spMkLst>
+            <pc:docMk/>
+            <pc:sldMk cId="2689840772" sldId="2604"/>
+            <ac:spMk id="4" creationId="{5B949F23-92C2-3ACE-AE9A-58F8C8D7AB52}"/>
+          </ac:spMkLst>
+        </pc:spChg>
+      </pc:sldChg>
+      <pc:sldChg chg="modSp mod">
+        <pc:chgData name="Xin Luo" userId="82312ee5779919a4" providerId="LiveId" clId="{23920C8D-EBCE-A347-9C82-C14316D20539}" dt="2022-10-25T11:53:23.523" v="402" actId="207"/>
+        <pc:sldMkLst>
+          <pc:docMk/>
+          <pc:sldMk cId="1392274363" sldId="2606"/>
+        </pc:sldMkLst>
+        <pc:spChg chg="mod">
+          <ac:chgData name="Xin Luo" userId="82312ee5779919a4" providerId="LiveId" clId="{23920C8D-EBCE-A347-9C82-C14316D20539}" dt="2022-10-10T01:08:08.448" v="392" actId="20577"/>
+          <ac:spMkLst>
+            <pc:docMk/>
+            <pc:sldMk cId="1392274363" sldId="2606"/>
+            <ac:spMk id="35" creationId="{2CBBD54C-A0C4-CFAB-2A67-F8BF299D28F5}"/>
+          </ac:spMkLst>
+        </pc:spChg>
+        <pc:spChg chg="mod">
+          <ac:chgData name="Xin Luo" userId="82312ee5779919a4" providerId="LiveId" clId="{23920C8D-EBCE-A347-9C82-C14316D20539}" dt="2022-10-25T11:53:23.523" v="402" actId="207"/>
+          <ac:spMkLst>
+            <pc:docMk/>
+            <pc:sldMk cId="1392274363" sldId="2606"/>
+            <ac:spMk id="42" creationId="{E4B07DDE-AB89-2B16-6B7A-2142621DE6F5}"/>
+          </ac:spMkLst>
+        </pc:spChg>
+      </pc:sldChg>
+      <pc:sldChg chg="modSp mod">
+        <pc:chgData name="Xin Luo" userId="82312ee5779919a4" providerId="LiveId" clId="{23920C8D-EBCE-A347-9C82-C14316D20539}" dt="2022-10-25T12:03:26.240" v="414" actId="14100"/>
+        <pc:sldMkLst>
+          <pc:docMk/>
+          <pc:sldMk cId="292605530" sldId="2607"/>
+        </pc:sldMkLst>
+        <pc:spChg chg="mod">
+          <ac:chgData name="Xin Luo" userId="82312ee5779919a4" providerId="LiveId" clId="{23920C8D-EBCE-A347-9C82-C14316D20539}" dt="2022-10-25T12:03:26.240" v="414" actId="14100"/>
+          <ac:spMkLst>
+            <pc:docMk/>
+            <pc:sldMk cId="292605530" sldId="2607"/>
+            <ac:spMk id="18" creationId="{8399C9E7-13B6-1DAF-F5BF-4471E8528C5F}"/>
+          </ac:spMkLst>
+        </pc:spChg>
+      </pc:sldChg>
+      <pc:sldChg chg="modSp mod">
+        <pc:chgData name="Xin Luo" userId="82312ee5779919a4" providerId="LiveId" clId="{23920C8D-EBCE-A347-9C82-C14316D20539}" dt="2022-10-25T12:09:03.730" v="478" actId="1036"/>
+        <pc:sldMkLst>
+          <pc:docMk/>
+          <pc:sldMk cId="2780969545" sldId="2609"/>
+        </pc:sldMkLst>
+        <pc:spChg chg="mod">
+          <ac:chgData name="Xin Luo" userId="82312ee5779919a4" providerId="LiveId" clId="{23920C8D-EBCE-A347-9C82-C14316D20539}" dt="2022-10-25T12:08:56.496" v="469" actId="115"/>
+          <ac:spMkLst>
+            <pc:docMk/>
+            <pc:sldMk cId="2780969545" sldId="2609"/>
+            <ac:spMk id="6" creationId="{2D1A6305-FF43-CF53-224A-B6D4901EAB0F}"/>
+          </ac:spMkLst>
+        </pc:spChg>
+        <pc:spChg chg="mod">
+          <ac:chgData name="Xin Luo" userId="82312ee5779919a4" providerId="LiveId" clId="{23920C8D-EBCE-A347-9C82-C14316D20539}" dt="2022-10-25T12:09:03.730" v="478" actId="1036"/>
+          <ac:spMkLst>
+            <pc:docMk/>
+            <pc:sldMk cId="2780969545" sldId="2609"/>
+            <ac:spMk id="11" creationId="{63EAC848-88D2-7A10-E878-444ADA855E23}"/>
+          </ac:spMkLst>
+        </pc:spChg>
+        <pc:spChg chg="mod">
+          <ac:chgData name="Xin Luo" userId="82312ee5779919a4" providerId="LiveId" clId="{23920C8D-EBCE-A347-9C82-C14316D20539}" dt="2022-10-25T12:09:03.730" v="478" actId="1036"/>
+          <ac:spMkLst>
+            <pc:docMk/>
+            <pc:sldMk cId="2780969545" sldId="2609"/>
+            <ac:spMk id="12" creationId="{BED7A820-9D6E-7E7E-A906-8A9424528316}"/>
+          </ac:spMkLst>
+        </pc:spChg>
+        <pc:spChg chg="mod">
+          <ac:chgData name="Xin Luo" userId="82312ee5779919a4" providerId="LiveId" clId="{23920C8D-EBCE-A347-9C82-C14316D20539}" dt="2022-10-25T12:09:03.730" v="478" actId="1036"/>
+          <ac:spMkLst>
+            <pc:docMk/>
+            <pc:sldMk cId="2780969545" sldId="2609"/>
+            <ac:spMk id="20" creationId="{87EC125B-CB98-6914-1633-6697471A2CB4}"/>
+          </ac:spMkLst>
+        </pc:spChg>
+        <pc:spChg chg="mod">
+          <ac:chgData name="Xin Luo" userId="82312ee5779919a4" providerId="LiveId" clId="{23920C8D-EBCE-A347-9C82-C14316D20539}" dt="2022-10-25T12:09:03.730" v="478" actId="1036"/>
+          <ac:spMkLst>
+            <pc:docMk/>
+            <pc:sldMk cId="2780969545" sldId="2609"/>
+            <ac:spMk id="21" creationId="{0AF67847-7DEF-CDAB-6208-0271BFB4FB06}"/>
+          </ac:spMkLst>
+        </pc:spChg>
+        <pc:spChg chg="mod">
+          <ac:chgData name="Xin Luo" userId="82312ee5779919a4" providerId="LiveId" clId="{23920C8D-EBCE-A347-9C82-C14316D20539}" dt="2022-10-25T12:09:03.730" v="478" actId="1036"/>
+          <ac:spMkLst>
+            <pc:docMk/>
+            <pc:sldMk cId="2780969545" sldId="2609"/>
+            <ac:spMk id="23" creationId="{0011846D-F543-398E-85CB-0AB0A842928A}"/>
+          </ac:spMkLst>
+        </pc:spChg>
+        <pc:spChg chg="mod">
+          <ac:chgData name="Xin Luo" userId="82312ee5779919a4" providerId="LiveId" clId="{23920C8D-EBCE-A347-9C82-C14316D20539}" dt="2022-10-25T12:09:03.730" v="478" actId="1036"/>
+          <ac:spMkLst>
+            <pc:docMk/>
+            <pc:sldMk cId="2780969545" sldId="2609"/>
+            <ac:spMk id="24" creationId="{37B5D87E-7419-7CC0-91CC-8A0807F0F999}"/>
+          </ac:spMkLst>
+        </pc:spChg>
+        <pc:spChg chg="mod">
+          <ac:chgData name="Xin Luo" userId="82312ee5779919a4" providerId="LiveId" clId="{23920C8D-EBCE-A347-9C82-C14316D20539}" dt="2022-10-25T12:09:03.730" v="478" actId="1036"/>
+          <ac:spMkLst>
+            <pc:docMk/>
+            <pc:sldMk cId="2780969545" sldId="2609"/>
+            <ac:spMk id="25" creationId="{4745244D-B431-F067-4A97-7CC4387296FB}"/>
+          </ac:spMkLst>
+        </pc:spChg>
+        <pc:spChg chg="mod">
+          <ac:chgData name="Xin Luo" userId="82312ee5779919a4" providerId="LiveId" clId="{23920C8D-EBCE-A347-9C82-C14316D20539}" dt="2022-10-25T12:09:03.730" v="478" actId="1036"/>
+          <ac:spMkLst>
+            <pc:docMk/>
+            <pc:sldMk cId="2780969545" sldId="2609"/>
+            <ac:spMk id="26" creationId="{FB9C53DE-8D1F-6DF4-8CE3-3A262A9F8737}"/>
+          </ac:spMkLst>
+        </pc:spChg>
+        <pc:picChg chg="mod">
+          <ac:chgData name="Xin Luo" userId="82312ee5779919a4" providerId="LiveId" clId="{23920C8D-EBCE-A347-9C82-C14316D20539}" dt="2022-10-25T12:09:03.730" v="478" actId="1036"/>
+          <ac:picMkLst>
+            <pc:docMk/>
+            <pc:sldMk cId="2780969545" sldId="2609"/>
+            <ac:picMk id="4" creationId="{49B7ACC6-6794-9162-52B2-E80F7E4B0442}"/>
+          </ac:picMkLst>
+        </pc:picChg>
+        <pc:picChg chg="mod">
+          <ac:chgData name="Xin Luo" userId="82312ee5779919a4" providerId="LiveId" clId="{23920C8D-EBCE-A347-9C82-C14316D20539}" dt="2022-10-25T12:09:03.730" v="478" actId="1036"/>
+          <ac:picMkLst>
+            <pc:docMk/>
+            <pc:sldMk cId="2780969545" sldId="2609"/>
+            <ac:picMk id="7" creationId="{42FD45A0-A9EA-D518-41B5-21FA7A24BA60}"/>
+          </ac:picMkLst>
+        </pc:picChg>
+        <pc:picChg chg="mod">
+          <ac:chgData name="Xin Luo" userId="82312ee5779919a4" providerId="LiveId" clId="{23920C8D-EBCE-A347-9C82-C14316D20539}" dt="2022-10-25T12:09:03.730" v="478" actId="1036"/>
+          <ac:picMkLst>
+            <pc:docMk/>
+            <pc:sldMk cId="2780969545" sldId="2609"/>
+            <ac:picMk id="10" creationId="{C2B12388-3179-41F8-2462-0C9BA14093FF}"/>
+          </ac:picMkLst>
+        </pc:picChg>
+        <pc:picChg chg="mod">
+          <ac:chgData name="Xin Luo" userId="82312ee5779919a4" providerId="LiveId" clId="{23920C8D-EBCE-A347-9C82-C14316D20539}" dt="2022-10-25T12:09:03.730" v="478" actId="1036"/>
+          <ac:picMkLst>
+            <pc:docMk/>
+            <pc:sldMk cId="2780969545" sldId="2609"/>
+            <ac:picMk id="7170" creationId="{A3C33C8C-6841-03A7-574F-E161D6BA2409}"/>
+          </ac:picMkLst>
+        </pc:picChg>
+        <pc:cxnChg chg="mod">
+          <ac:chgData name="Xin Luo" userId="82312ee5779919a4" providerId="LiveId" clId="{23920C8D-EBCE-A347-9C82-C14316D20539}" dt="2022-10-25T12:09:03.730" v="478" actId="1036"/>
+          <ac:cxnSpMkLst>
+            <pc:docMk/>
+            <pc:sldMk cId="2780969545" sldId="2609"/>
+            <ac:cxnSpMk id="9" creationId="{FD972B84-6C44-171E-8256-D2A04F01B0C9}"/>
+          </ac:cxnSpMkLst>
+        </pc:cxnChg>
+        <pc:cxnChg chg="mod">
+          <ac:chgData name="Xin Luo" userId="82312ee5779919a4" providerId="LiveId" clId="{23920C8D-EBCE-A347-9C82-C14316D20539}" dt="2022-10-25T12:09:03.730" v="478" actId="1036"/>
+          <ac:cxnSpMkLst>
+            <pc:docMk/>
+            <pc:sldMk cId="2780969545" sldId="2609"/>
+            <ac:cxnSpMk id="16" creationId="{612BCBDC-DECE-5090-7C5B-6492FF4CE722}"/>
+          </ac:cxnSpMkLst>
+        </pc:cxnChg>
+        <pc:cxnChg chg="mod">
+          <ac:chgData name="Xin Luo" userId="82312ee5779919a4" providerId="LiveId" clId="{23920C8D-EBCE-A347-9C82-C14316D20539}" dt="2022-10-25T12:09:03.730" v="478" actId="1036"/>
+          <ac:cxnSpMkLst>
+            <pc:docMk/>
+            <pc:sldMk cId="2780969545" sldId="2609"/>
+            <ac:cxnSpMk id="17" creationId="{AF045F09-2718-C456-D477-E816A43885FF}"/>
+          </ac:cxnSpMkLst>
+        </pc:cxnChg>
+        <pc:cxnChg chg="mod">
+          <ac:chgData name="Xin Luo" userId="82312ee5779919a4" providerId="LiveId" clId="{23920C8D-EBCE-A347-9C82-C14316D20539}" dt="2022-10-25T12:09:03.730" v="478" actId="1036"/>
+          <ac:cxnSpMkLst>
+            <pc:docMk/>
+            <pc:sldMk cId="2780969545" sldId="2609"/>
+            <ac:cxnSpMk id="28" creationId="{6C11ADF7-6234-2989-2798-F5AAD5EDE3BF}"/>
+          </ac:cxnSpMkLst>
+        </pc:cxnChg>
+      </pc:sldChg>
+      <pc:sldChg chg="modSp mod">
+        <pc:chgData name="Xin Luo" userId="82312ee5779919a4" providerId="LiveId" clId="{23920C8D-EBCE-A347-9C82-C14316D20539}" dt="2022-10-26T02:56:58.658" v="480" actId="207"/>
+        <pc:sldMkLst>
+          <pc:docMk/>
+          <pc:sldMk cId="63705705" sldId="2612"/>
+        </pc:sldMkLst>
+        <pc:spChg chg="mod">
+          <ac:chgData name="Xin Luo" userId="82312ee5779919a4" providerId="LiveId" clId="{23920C8D-EBCE-A347-9C82-C14316D20539}" dt="2022-10-26T02:56:58.658" v="480" actId="207"/>
+          <ac:spMkLst>
+            <pc:docMk/>
+            <pc:sldMk cId="63705705" sldId="2612"/>
+            <ac:spMk id="63" creationId="{6400CC45-5050-7ACD-CE08-CC6D7000A1DA}"/>
+          </ac:spMkLst>
+        </pc:spChg>
+      </pc:sldChg>
+      <pc:sldChg chg="addSp modSp">
+        <pc:chgData name="Xin Luo" userId="82312ee5779919a4" providerId="LiveId" clId="{23920C8D-EBCE-A347-9C82-C14316D20539}" dt="2022-10-26T12:19:06.428" v="501" actId="767"/>
+        <pc:sldMkLst>
+          <pc:docMk/>
+          <pc:sldMk cId="963926578" sldId="2613"/>
+        </pc:sldMkLst>
+        <pc:spChg chg="add mod">
+          <ac:chgData name="Xin Luo" userId="82312ee5779919a4" providerId="LiveId" clId="{23920C8D-EBCE-A347-9C82-C14316D20539}" dt="2022-10-26T12:19:06.428" v="501" actId="767"/>
+          <ac:spMkLst>
+            <pc:docMk/>
+            <pc:sldMk cId="963926578" sldId="2613"/>
+            <ac:spMk id="2" creationId="{5F7683B3-77E0-69A9-94AE-FF04E7249325}"/>
+          </ac:spMkLst>
+        </pc:spChg>
+      </pc:sldChg>
+      <pc:sldChg chg="modSp add mod">
+        <pc:chgData name="Xin Luo" userId="82312ee5779919a4" providerId="LiveId" clId="{23920C8D-EBCE-A347-9C82-C14316D20539}" dt="2022-10-10T01:06:02.902" v="365" actId="403"/>
+        <pc:sldMkLst>
+          <pc:docMk/>
+          <pc:sldMk cId="2358282757" sldId="2714"/>
+        </pc:sldMkLst>
+        <pc:spChg chg="mod">
+          <ac:chgData name="Xin Luo" userId="82312ee5779919a4" providerId="LiveId" clId="{23920C8D-EBCE-A347-9C82-C14316D20539}" dt="2022-10-10T01:06:02.902" v="365" actId="403"/>
+          <ac:spMkLst>
+            <pc:docMk/>
+            <pc:sldMk cId="2358282757" sldId="2714"/>
+            <ac:spMk id="2" creationId="{DB381E7B-A050-4BE4-6756-9B64308C74D7}"/>
+          </ac:spMkLst>
+        </pc:spChg>
+      </pc:sldChg>
+    </pc:docChg>
+  </pc:docChgLst>
+  <pc:docChgLst>
     <pc:chgData name="Xin Luo" userId="82312ee5779919a4" providerId="LiveId" clId="{4DB6C473-8E57-A543-81F7-48BE109E8C13}"/>
     <pc:docChg chg="undo custSel addSld delSld modSld sldOrd delMainMaster">
       <pc:chgData name="Xin Luo" userId="82312ee5779919a4" providerId="LiveId" clId="{4DB6C473-8E57-A543-81F7-48BE109E8C13}" dt="2023-02-21T15:10:04.498" v="5724" actId="108"/>
@@ -6235,350 +6579,6 @@
           </pc:sldLayoutMkLst>
         </pc:sldLayoutChg>
       </pc:sldMasterChg>
-    </pc:docChg>
-  </pc:docChgLst>
-  <pc:docChgLst>
-    <pc:chgData name="Xin Luo" userId="82312ee5779919a4" providerId="LiveId" clId="{23920C8D-EBCE-A347-9C82-C14316D20539}"/>
-    <pc:docChg chg="undo custSel addSld modSld">
-      <pc:chgData name="Xin Luo" userId="82312ee5779919a4" providerId="LiveId" clId="{23920C8D-EBCE-A347-9C82-C14316D20539}" dt="2022-10-26T12:19:06.428" v="501" actId="767"/>
-      <pc:docMkLst>
-        <pc:docMk/>
-      </pc:docMkLst>
-      <pc:sldChg chg="modSp mod">
-        <pc:chgData name="Xin Luo" userId="82312ee5779919a4" providerId="LiveId" clId="{23920C8D-EBCE-A347-9C82-C14316D20539}" dt="2022-10-10T01:06:29.261" v="368" actId="404"/>
-        <pc:sldMkLst>
-          <pc:docMk/>
-          <pc:sldMk cId="1576120367" sldId="2387"/>
-        </pc:sldMkLst>
-        <pc:spChg chg="mod">
-          <ac:chgData name="Xin Luo" userId="82312ee5779919a4" providerId="LiveId" clId="{23920C8D-EBCE-A347-9C82-C14316D20539}" dt="2022-10-10T01:06:29.261" v="368" actId="404"/>
-          <ac:spMkLst>
-            <pc:docMk/>
-            <pc:sldMk cId="1576120367" sldId="2387"/>
-            <ac:spMk id="10" creationId="{00000000-0000-0000-0000-000000000000}"/>
-          </ac:spMkLst>
-        </pc:spChg>
-        <pc:spChg chg="mod">
-          <ac:chgData name="Xin Luo" userId="82312ee5779919a4" providerId="LiveId" clId="{23920C8D-EBCE-A347-9C82-C14316D20539}" dt="2022-10-10T01:06:13.262" v="366" actId="403"/>
-          <ac:spMkLst>
-            <pc:docMk/>
-            <pc:sldMk cId="1576120367" sldId="2387"/>
-            <ac:spMk id="12" creationId="{00000000-0000-0000-0000-000000000000}"/>
-          </ac:spMkLst>
-        </pc:spChg>
-        <pc:spChg chg="mod">
-          <ac:chgData name="Xin Luo" userId="82312ee5779919a4" providerId="LiveId" clId="{23920C8D-EBCE-A347-9C82-C14316D20539}" dt="2022-10-10T01:06:29.261" v="368" actId="404"/>
-          <ac:spMkLst>
-            <pc:docMk/>
-            <pc:sldMk cId="1576120367" sldId="2387"/>
-            <ac:spMk id="13" creationId="{00000000-0000-0000-0000-000000000000}"/>
-          </ac:spMkLst>
-        </pc:spChg>
-        <pc:spChg chg="mod">
-          <ac:chgData name="Xin Luo" userId="82312ee5779919a4" providerId="LiveId" clId="{23920C8D-EBCE-A347-9C82-C14316D20539}" dt="2022-10-10T01:06:13.262" v="366" actId="403"/>
-          <ac:spMkLst>
-            <pc:docMk/>
-            <pc:sldMk cId="1576120367" sldId="2387"/>
-            <ac:spMk id="14" creationId="{00000000-0000-0000-0000-000000000000}"/>
-          </ac:spMkLst>
-        </pc:spChg>
-        <pc:spChg chg="mod">
-          <ac:chgData name="Xin Luo" userId="82312ee5779919a4" providerId="LiveId" clId="{23920C8D-EBCE-A347-9C82-C14316D20539}" dt="2022-10-10T01:06:29.261" v="368" actId="404"/>
-          <ac:spMkLst>
-            <pc:docMk/>
-            <pc:sldMk cId="1576120367" sldId="2387"/>
-            <ac:spMk id="15" creationId="{00000000-0000-0000-0000-000000000000}"/>
-          </ac:spMkLst>
-        </pc:spChg>
-        <pc:spChg chg="mod">
-          <ac:chgData name="Xin Luo" userId="82312ee5779919a4" providerId="LiveId" clId="{23920C8D-EBCE-A347-9C82-C14316D20539}" dt="2022-10-10T01:06:19.369" v="367" actId="14100"/>
-          <ac:spMkLst>
-            <pc:docMk/>
-            <pc:sldMk cId="1576120367" sldId="2387"/>
-            <ac:spMk id="16" creationId="{00000000-0000-0000-0000-000000000000}"/>
-          </ac:spMkLst>
-        </pc:spChg>
-      </pc:sldChg>
-      <pc:sldChg chg="modSp mod">
-        <pc:chgData name="Xin Luo" userId="82312ee5779919a4" providerId="LiveId" clId="{23920C8D-EBCE-A347-9C82-C14316D20539}" dt="2022-10-10T01:06:39.449" v="369" actId="403"/>
-        <pc:sldMkLst>
-          <pc:docMk/>
-          <pc:sldMk cId="2415901206" sldId="2447"/>
-        </pc:sldMkLst>
-        <pc:spChg chg="mod">
-          <ac:chgData name="Xin Luo" userId="82312ee5779919a4" providerId="LiveId" clId="{23920C8D-EBCE-A347-9C82-C14316D20539}" dt="2022-10-10T01:06:39.449" v="369" actId="403"/>
-          <ac:spMkLst>
-            <pc:docMk/>
-            <pc:sldMk cId="2415901206" sldId="2447"/>
-            <ac:spMk id="7" creationId="{00000000-0000-0000-0000-000000000000}"/>
-          </ac:spMkLst>
-        </pc:spChg>
-      </pc:sldChg>
-      <pc:sldChg chg="addSp delSp modSp mod">
-        <pc:chgData name="Xin Luo" userId="82312ee5779919a4" providerId="LiveId" clId="{23920C8D-EBCE-A347-9C82-C14316D20539}" dt="2022-10-26T11:18:20.490" v="500"/>
-        <pc:sldMkLst>
-          <pc:docMk/>
-          <pc:sldMk cId="2689840772" sldId="2604"/>
-        </pc:sldMkLst>
-        <pc:spChg chg="mod">
-          <ac:chgData name="Xin Luo" userId="82312ee5779919a4" providerId="LiveId" clId="{23920C8D-EBCE-A347-9C82-C14316D20539}" dt="2022-10-26T11:18:14.630" v="497" actId="1038"/>
-          <ac:spMkLst>
-            <pc:docMk/>
-            <pc:sldMk cId="2689840772" sldId="2604"/>
-            <ac:spMk id="2" creationId="{DB381E7B-A050-4BE4-6756-9B64308C74D7}"/>
-          </ac:spMkLst>
-        </pc:spChg>
-        <pc:spChg chg="del mod">
-          <ac:chgData name="Xin Luo" userId="82312ee5779919a4" providerId="LiveId" clId="{23920C8D-EBCE-A347-9C82-C14316D20539}" dt="2022-10-10T00:58:26.498" v="9" actId="478"/>
-          <ac:spMkLst>
-            <pc:docMk/>
-            <pc:sldMk cId="2689840772" sldId="2604"/>
-            <ac:spMk id="3" creationId="{00000000-0000-0000-0000-000000000000}"/>
-          </ac:spMkLst>
-        </pc:spChg>
-        <pc:spChg chg="add del mod">
-          <ac:chgData name="Xin Luo" userId="82312ee5779919a4" providerId="LiveId" clId="{23920C8D-EBCE-A347-9C82-C14316D20539}" dt="2022-10-26T11:18:20.490" v="500"/>
-          <ac:spMkLst>
-            <pc:docMk/>
-            <pc:sldMk cId="2689840772" sldId="2604"/>
-            <ac:spMk id="3" creationId="{0AC6D251-AEF6-35BE-71D5-DE25EAD72977}"/>
-          </ac:spMkLst>
-        </pc:spChg>
-        <pc:spChg chg="add mod">
-          <ac:chgData name="Xin Luo" userId="82312ee5779919a4" providerId="LiveId" clId="{23920C8D-EBCE-A347-9C82-C14316D20539}" dt="2022-10-10T01:03:50.909" v="356" actId="20577"/>
-          <ac:spMkLst>
-            <pc:docMk/>
-            <pc:sldMk cId="2689840772" sldId="2604"/>
-            <ac:spMk id="4" creationId="{5B949F23-92C2-3ACE-AE9A-58F8C8D7AB52}"/>
-          </ac:spMkLst>
-        </pc:spChg>
-      </pc:sldChg>
-      <pc:sldChg chg="modSp mod">
-        <pc:chgData name="Xin Luo" userId="82312ee5779919a4" providerId="LiveId" clId="{23920C8D-EBCE-A347-9C82-C14316D20539}" dt="2022-10-25T11:53:23.523" v="402" actId="207"/>
-        <pc:sldMkLst>
-          <pc:docMk/>
-          <pc:sldMk cId="1392274363" sldId="2606"/>
-        </pc:sldMkLst>
-        <pc:spChg chg="mod">
-          <ac:chgData name="Xin Luo" userId="82312ee5779919a4" providerId="LiveId" clId="{23920C8D-EBCE-A347-9C82-C14316D20539}" dt="2022-10-10T01:08:08.448" v="392" actId="20577"/>
-          <ac:spMkLst>
-            <pc:docMk/>
-            <pc:sldMk cId="1392274363" sldId="2606"/>
-            <ac:spMk id="35" creationId="{2CBBD54C-A0C4-CFAB-2A67-F8BF299D28F5}"/>
-          </ac:spMkLst>
-        </pc:spChg>
-        <pc:spChg chg="mod">
-          <ac:chgData name="Xin Luo" userId="82312ee5779919a4" providerId="LiveId" clId="{23920C8D-EBCE-A347-9C82-C14316D20539}" dt="2022-10-25T11:53:23.523" v="402" actId="207"/>
-          <ac:spMkLst>
-            <pc:docMk/>
-            <pc:sldMk cId="1392274363" sldId="2606"/>
-            <ac:spMk id="42" creationId="{E4B07DDE-AB89-2B16-6B7A-2142621DE6F5}"/>
-          </ac:spMkLst>
-        </pc:spChg>
-      </pc:sldChg>
-      <pc:sldChg chg="modSp mod">
-        <pc:chgData name="Xin Luo" userId="82312ee5779919a4" providerId="LiveId" clId="{23920C8D-EBCE-A347-9C82-C14316D20539}" dt="2022-10-25T12:03:26.240" v="414" actId="14100"/>
-        <pc:sldMkLst>
-          <pc:docMk/>
-          <pc:sldMk cId="292605530" sldId="2607"/>
-        </pc:sldMkLst>
-        <pc:spChg chg="mod">
-          <ac:chgData name="Xin Luo" userId="82312ee5779919a4" providerId="LiveId" clId="{23920C8D-EBCE-A347-9C82-C14316D20539}" dt="2022-10-25T12:03:26.240" v="414" actId="14100"/>
-          <ac:spMkLst>
-            <pc:docMk/>
-            <pc:sldMk cId="292605530" sldId="2607"/>
-            <ac:spMk id="18" creationId="{8399C9E7-13B6-1DAF-F5BF-4471E8528C5F}"/>
-          </ac:spMkLst>
-        </pc:spChg>
-      </pc:sldChg>
-      <pc:sldChg chg="modSp mod">
-        <pc:chgData name="Xin Luo" userId="82312ee5779919a4" providerId="LiveId" clId="{23920C8D-EBCE-A347-9C82-C14316D20539}" dt="2022-10-25T12:09:03.730" v="478" actId="1036"/>
-        <pc:sldMkLst>
-          <pc:docMk/>
-          <pc:sldMk cId="2780969545" sldId="2609"/>
-        </pc:sldMkLst>
-        <pc:spChg chg="mod">
-          <ac:chgData name="Xin Luo" userId="82312ee5779919a4" providerId="LiveId" clId="{23920C8D-EBCE-A347-9C82-C14316D20539}" dt="2022-10-25T12:08:56.496" v="469" actId="115"/>
-          <ac:spMkLst>
-            <pc:docMk/>
-            <pc:sldMk cId="2780969545" sldId="2609"/>
-            <ac:spMk id="6" creationId="{2D1A6305-FF43-CF53-224A-B6D4901EAB0F}"/>
-          </ac:spMkLst>
-        </pc:spChg>
-        <pc:spChg chg="mod">
-          <ac:chgData name="Xin Luo" userId="82312ee5779919a4" providerId="LiveId" clId="{23920C8D-EBCE-A347-9C82-C14316D20539}" dt="2022-10-25T12:09:03.730" v="478" actId="1036"/>
-          <ac:spMkLst>
-            <pc:docMk/>
-            <pc:sldMk cId="2780969545" sldId="2609"/>
-            <ac:spMk id="11" creationId="{63EAC848-88D2-7A10-E878-444ADA855E23}"/>
-          </ac:spMkLst>
-        </pc:spChg>
-        <pc:spChg chg="mod">
-          <ac:chgData name="Xin Luo" userId="82312ee5779919a4" providerId="LiveId" clId="{23920C8D-EBCE-A347-9C82-C14316D20539}" dt="2022-10-25T12:09:03.730" v="478" actId="1036"/>
-          <ac:spMkLst>
-            <pc:docMk/>
-            <pc:sldMk cId="2780969545" sldId="2609"/>
-            <ac:spMk id="12" creationId="{BED7A820-9D6E-7E7E-A906-8A9424528316}"/>
-          </ac:spMkLst>
-        </pc:spChg>
-        <pc:spChg chg="mod">
-          <ac:chgData name="Xin Luo" userId="82312ee5779919a4" providerId="LiveId" clId="{23920C8D-EBCE-A347-9C82-C14316D20539}" dt="2022-10-25T12:09:03.730" v="478" actId="1036"/>
-          <ac:spMkLst>
-            <pc:docMk/>
-            <pc:sldMk cId="2780969545" sldId="2609"/>
-            <ac:spMk id="20" creationId="{87EC125B-CB98-6914-1633-6697471A2CB4}"/>
-          </ac:spMkLst>
-        </pc:spChg>
-        <pc:spChg chg="mod">
-          <ac:chgData name="Xin Luo" userId="82312ee5779919a4" providerId="LiveId" clId="{23920C8D-EBCE-A347-9C82-C14316D20539}" dt="2022-10-25T12:09:03.730" v="478" actId="1036"/>
-          <ac:spMkLst>
-            <pc:docMk/>
-            <pc:sldMk cId="2780969545" sldId="2609"/>
-            <ac:spMk id="21" creationId="{0AF67847-7DEF-CDAB-6208-0271BFB4FB06}"/>
-          </ac:spMkLst>
-        </pc:spChg>
-        <pc:spChg chg="mod">
-          <ac:chgData name="Xin Luo" userId="82312ee5779919a4" providerId="LiveId" clId="{23920C8D-EBCE-A347-9C82-C14316D20539}" dt="2022-10-25T12:09:03.730" v="478" actId="1036"/>
-          <ac:spMkLst>
-            <pc:docMk/>
-            <pc:sldMk cId="2780969545" sldId="2609"/>
-            <ac:spMk id="23" creationId="{0011846D-F543-398E-85CB-0AB0A842928A}"/>
-          </ac:spMkLst>
-        </pc:spChg>
-        <pc:spChg chg="mod">
-          <ac:chgData name="Xin Luo" userId="82312ee5779919a4" providerId="LiveId" clId="{23920C8D-EBCE-A347-9C82-C14316D20539}" dt="2022-10-25T12:09:03.730" v="478" actId="1036"/>
-          <ac:spMkLst>
-            <pc:docMk/>
-            <pc:sldMk cId="2780969545" sldId="2609"/>
-            <ac:spMk id="24" creationId="{37B5D87E-7419-7CC0-91CC-8A0807F0F999}"/>
-          </ac:spMkLst>
-        </pc:spChg>
-        <pc:spChg chg="mod">
-          <ac:chgData name="Xin Luo" userId="82312ee5779919a4" providerId="LiveId" clId="{23920C8D-EBCE-A347-9C82-C14316D20539}" dt="2022-10-25T12:09:03.730" v="478" actId="1036"/>
-          <ac:spMkLst>
-            <pc:docMk/>
-            <pc:sldMk cId="2780969545" sldId="2609"/>
-            <ac:spMk id="25" creationId="{4745244D-B431-F067-4A97-7CC4387296FB}"/>
-          </ac:spMkLst>
-        </pc:spChg>
-        <pc:spChg chg="mod">
-          <ac:chgData name="Xin Luo" userId="82312ee5779919a4" providerId="LiveId" clId="{23920C8D-EBCE-A347-9C82-C14316D20539}" dt="2022-10-25T12:09:03.730" v="478" actId="1036"/>
-          <ac:spMkLst>
-            <pc:docMk/>
-            <pc:sldMk cId="2780969545" sldId="2609"/>
-            <ac:spMk id="26" creationId="{FB9C53DE-8D1F-6DF4-8CE3-3A262A9F8737}"/>
-          </ac:spMkLst>
-        </pc:spChg>
-        <pc:picChg chg="mod">
-          <ac:chgData name="Xin Luo" userId="82312ee5779919a4" providerId="LiveId" clId="{23920C8D-EBCE-A347-9C82-C14316D20539}" dt="2022-10-25T12:09:03.730" v="478" actId="1036"/>
-          <ac:picMkLst>
-            <pc:docMk/>
-            <pc:sldMk cId="2780969545" sldId="2609"/>
-            <ac:picMk id="4" creationId="{49B7ACC6-6794-9162-52B2-E80F7E4B0442}"/>
-          </ac:picMkLst>
-        </pc:picChg>
-        <pc:picChg chg="mod">
-          <ac:chgData name="Xin Luo" userId="82312ee5779919a4" providerId="LiveId" clId="{23920C8D-EBCE-A347-9C82-C14316D20539}" dt="2022-10-25T12:09:03.730" v="478" actId="1036"/>
-          <ac:picMkLst>
-            <pc:docMk/>
-            <pc:sldMk cId="2780969545" sldId="2609"/>
-            <ac:picMk id="7" creationId="{42FD45A0-A9EA-D518-41B5-21FA7A24BA60}"/>
-          </ac:picMkLst>
-        </pc:picChg>
-        <pc:picChg chg="mod">
-          <ac:chgData name="Xin Luo" userId="82312ee5779919a4" providerId="LiveId" clId="{23920C8D-EBCE-A347-9C82-C14316D20539}" dt="2022-10-25T12:09:03.730" v="478" actId="1036"/>
-          <ac:picMkLst>
-            <pc:docMk/>
-            <pc:sldMk cId="2780969545" sldId="2609"/>
-            <ac:picMk id="10" creationId="{C2B12388-3179-41F8-2462-0C9BA14093FF}"/>
-          </ac:picMkLst>
-        </pc:picChg>
-        <pc:picChg chg="mod">
-          <ac:chgData name="Xin Luo" userId="82312ee5779919a4" providerId="LiveId" clId="{23920C8D-EBCE-A347-9C82-C14316D20539}" dt="2022-10-25T12:09:03.730" v="478" actId="1036"/>
-          <ac:picMkLst>
-            <pc:docMk/>
-            <pc:sldMk cId="2780969545" sldId="2609"/>
-            <ac:picMk id="7170" creationId="{A3C33C8C-6841-03A7-574F-E161D6BA2409}"/>
-          </ac:picMkLst>
-        </pc:picChg>
-        <pc:cxnChg chg="mod">
-          <ac:chgData name="Xin Luo" userId="82312ee5779919a4" providerId="LiveId" clId="{23920C8D-EBCE-A347-9C82-C14316D20539}" dt="2022-10-25T12:09:03.730" v="478" actId="1036"/>
-          <ac:cxnSpMkLst>
-            <pc:docMk/>
-            <pc:sldMk cId="2780969545" sldId="2609"/>
-            <ac:cxnSpMk id="9" creationId="{FD972B84-6C44-171E-8256-D2A04F01B0C9}"/>
-          </ac:cxnSpMkLst>
-        </pc:cxnChg>
-        <pc:cxnChg chg="mod">
-          <ac:chgData name="Xin Luo" userId="82312ee5779919a4" providerId="LiveId" clId="{23920C8D-EBCE-A347-9C82-C14316D20539}" dt="2022-10-25T12:09:03.730" v="478" actId="1036"/>
-          <ac:cxnSpMkLst>
-            <pc:docMk/>
-            <pc:sldMk cId="2780969545" sldId="2609"/>
-            <ac:cxnSpMk id="16" creationId="{612BCBDC-DECE-5090-7C5B-6492FF4CE722}"/>
-          </ac:cxnSpMkLst>
-        </pc:cxnChg>
-        <pc:cxnChg chg="mod">
-          <ac:chgData name="Xin Luo" userId="82312ee5779919a4" providerId="LiveId" clId="{23920C8D-EBCE-A347-9C82-C14316D20539}" dt="2022-10-25T12:09:03.730" v="478" actId="1036"/>
-          <ac:cxnSpMkLst>
-            <pc:docMk/>
-            <pc:sldMk cId="2780969545" sldId="2609"/>
-            <ac:cxnSpMk id="17" creationId="{AF045F09-2718-C456-D477-E816A43885FF}"/>
-          </ac:cxnSpMkLst>
-        </pc:cxnChg>
-        <pc:cxnChg chg="mod">
-          <ac:chgData name="Xin Luo" userId="82312ee5779919a4" providerId="LiveId" clId="{23920C8D-EBCE-A347-9C82-C14316D20539}" dt="2022-10-25T12:09:03.730" v="478" actId="1036"/>
-          <ac:cxnSpMkLst>
-            <pc:docMk/>
-            <pc:sldMk cId="2780969545" sldId="2609"/>
-            <ac:cxnSpMk id="28" creationId="{6C11ADF7-6234-2989-2798-F5AAD5EDE3BF}"/>
-          </ac:cxnSpMkLst>
-        </pc:cxnChg>
-      </pc:sldChg>
-      <pc:sldChg chg="modSp mod">
-        <pc:chgData name="Xin Luo" userId="82312ee5779919a4" providerId="LiveId" clId="{23920C8D-EBCE-A347-9C82-C14316D20539}" dt="2022-10-26T02:56:58.658" v="480" actId="207"/>
-        <pc:sldMkLst>
-          <pc:docMk/>
-          <pc:sldMk cId="63705705" sldId="2612"/>
-        </pc:sldMkLst>
-        <pc:spChg chg="mod">
-          <ac:chgData name="Xin Luo" userId="82312ee5779919a4" providerId="LiveId" clId="{23920C8D-EBCE-A347-9C82-C14316D20539}" dt="2022-10-26T02:56:58.658" v="480" actId="207"/>
-          <ac:spMkLst>
-            <pc:docMk/>
-            <pc:sldMk cId="63705705" sldId="2612"/>
-            <ac:spMk id="63" creationId="{6400CC45-5050-7ACD-CE08-CC6D7000A1DA}"/>
-          </ac:spMkLst>
-        </pc:spChg>
-      </pc:sldChg>
-      <pc:sldChg chg="addSp modSp">
-        <pc:chgData name="Xin Luo" userId="82312ee5779919a4" providerId="LiveId" clId="{23920C8D-EBCE-A347-9C82-C14316D20539}" dt="2022-10-26T12:19:06.428" v="501" actId="767"/>
-        <pc:sldMkLst>
-          <pc:docMk/>
-          <pc:sldMk cId="963926578" sldId="2613"/>
-        </pc:sldMkLst>
-        <pc:spChg chg="add mod">
-          <ac:chgData name="Xin Luo" userId="82312ee5779919a4" providerId="LiveId" clId="{23920C8D-EBCE-A347-9C82-C14316D20539}" dt="2022-10-26T12:19:06.428" v="501" actId="767"/>
-          <ac:spMkLst>
-            <pc:docMk/>
-            <pc:sldMk cId="963926578" sldId="2613"/>
-            <ac:spMk id="2" creationId="{5F7683B3-77E0-69A9-94AE-FF04E7249325}"/>
-          </ac:spMkLst>
-        </pc:spChg>
-      </pc:sldChg>
-      <pc:sldChg chg="modSp add mod">
-        <pc:chgData name="Xin Luo" userId="82312ee5779919a4" providerId="LiveId" clId="{23920C8D-EBCE-A347-9C82-C14316D20539}" dt="2022-10-10T01:06:02.902" v="365" actId="403"/>
-        <pc:sldMkLst>
-          <pc:docMk/>
-          <pc:sldMk cId="2358282757" sldId="2714"/>
-        </pc:sldMkLst>
-        <pc:spChg chg="mod">
-          <ac:chgData name="Xin Luo" userId="82312ee5779919a4" providerId="LiveId" clId="{23920C8D-EBCE-A347-9C82-C14316D20539}" dt="2022-10-10T01:06:02.902" v="365" actId="403"/>
-          <ac:spMkLst>
-            <pc:docMk/>
-            <pc:sldMk cId="2358282757" sldId="2714"/>
-            <ac:spMk id="2" creationId="{DB381E7B-A050-4BE4-6756-9B64308C74D7}"/>
-          </ac:spMkLst>
-        </pc:spChg>
-      </pc:sldChg>
     </pc:docChg>
   </pc:docChgLst>
   <pc:docChgLst>
@@ -7091,7 +7091,7 @@
               </a14:hiddenFill>
             </a:ext>
             <a:ext uri="{FAA26D3D-D897-4be2-8F04-BA451C77F1D7}">
-              <ma14:placeholderFlag xmlns:ma14="http://schemas.microsoft.com/office/mac/drawingml/2011/main" xmlns="" val="1"/>
+              <ma14:placeholderFlag xmlns="" xmlns:ma14="http://schemas.microsoft.com/office/mac/drawingml/2011/main" val="1"/>
             </a:ext>
           </a:extLst>
         </p:spPr>
@@ -7475,7 +7475,7 @@
               </a14:hiddenLine>
             </a:ext>
             <a:ext uri="{FAA26D3D-D897-4be2-8F04-BA451C77F1D7}">
-              <ma14:placeholderFlag xmlns:ma14="http://schemas.microsoft.com/office/mac/drawingml/2011/main" xmlns="" val="1"/>
+              <ma14:placeholderFlag xmlns="" xmlns:ma14="http://schemas.microsoft.com/office/mac/drawingml/2011/main" val="1"/>
             </a:ext>
           </a:extLst>
         </p:spPr>
@@ -10347,7 +10347,7 @@
               </a14:hiddenLine>
             </a:ext>
             <a:ext uri="{FAA26D3D-D897-4be2-8F04-BA451C77F1D7}">
-              <ma14:placeholderFlag xmlns:ma14="http://schemas.microsoft.com/office/mac/drawingml/2011/main" xmlns="" val="1"/>
+              <ma14:placeholderFlag xmlns="" xmlns:ma14="http://schemas.microsoft.com/office/mac/drawingml/2011/main" val="1"/>
             </a:ext>
           </a:extLst>
         </p:spPr>
@@ -14038,7 +14038,7 @@
               </a14:hiddenLine>
             </a:ext>
             <a:ext uri="{FAA26D3D-D897-4be2-8F04-BA451C77F1D7}">
-              <ma14:placeholderFlag xmlns:ma14="http://schemas.microsoft.com/office/mac/drawingml/2011/main" xmlns="" val="1"/>
+              <ma14:placeholderFlag xmlns="" xmlns:ma14="http://schemas.microsoft.com/office/mac/drawingml/2011/main" val="1"/>
             </a:ext>
           </a:extLst>
         </p:spPr>
@@ -22719,7 +22719,7 @@
                 <a:latin typeface="+mn-ea"/>
                 <a:ea typeface="+mn-ea"/>
               </a:rPr>
-              <a:t>bool</a:t>
+              <a:t>Bool</a:t>
             </a:r>
             <a:r>
               <a:rPr lang="zh-CN" altLang="en-US" sz="1800" dirty="0">
@@ -22729,7 +22729,7 @@
                 <a:latin typeface="+mn-ea"/>
                 <a:ea typeface="+mn-ea"/>
               </a:rPr>
-              <a:t>（布尔）、数字（</a:t>
+              <a:t>（布尔）、</a:t>
             </a:r>
             <a:r>
               <a:rPr lang="en-US" altLang="zh-CN" sz="1800" dirty="0">
@@ -22739,7 +22739,7 @@
                 <a:latin typeface="+mn-ea"/>
                 <a:ea typeface="+mn-ea"/>
               </a:rPr>
-              <a:t>number</a:t>
+              <a:t>Number</a:t>
             </a:r>
             <a:r>
               <a:rPr lang="zh-CN" altLang="en-US" sz="1800" dirty="0">
@@ -22749,7 +22749,7 @@
                 <a:latin typeface="+mn-ea"/>
                 <a:ea typeface="+mn-ea"/>
               </a:rPr>
-              <a:t>）、</a:t>
+              <a:t>（数字）、</a:t>
             </a:r>
             <a:r>
               <a:rPr lang="en-US" altLang="zh-CN" sz="1800" dirty="0">
@@ -22759,7 +22759,7 @@
                 <a:latin typeface="+mn-ea"/>
                 <a:ea typeface="+mn-ea"/>
               </a:rPr>
-              <a:t>string</a:t>
+              <a:t>String</a:t>
             </a:r>
             <a:r>
               <a:rPr lang="zh-CN" altLang="en-US" sz="1800" dirty="0">
@@ -22779,7 +22779,7 @@
                 <a:latin typeface="+mn-ea"/>
                 <a:ea typeface="+mn-ea"/>
               </a:rPr>
-              <a:t>list</a:t>
+              <a:t>List</a:t>
             </a:r>
             <a:r>
               <a:rPr lang="zh-CN" altLang="en-US" sz="1800" dirty="0">
@@ -22810,6 +22810,26 @@
                 <a:ea typeface="+mn-ea"/>
               </a:rPr>
               <a:t>（字典）、</a:t>
+            </a:r>
+            <a:r>
+              <a:rPr lang="en-US" altLang="zh-CN" sz="1800" dirty="0">
+                <a:solidFill>
+                  <a:srgbClr val="333333"/>
+                </a:solidFill>
+                <a:latin typeface="+mn-ea"/>
+                <a:ea typeface="+mn-ea"/>
+              </a:rPr>
+              <a:t>Tuple</a:t>
+            </a:r>
+            <a:r>
+              <a:rPr lang="zh-CN" altLang="en-US" sz="1800" dirty="0">
+                <a:solidFill>
+                  <a:srgbClr val="333333"/>
+                </a:solidFill>
+                <a:latin typeface="+mn-ea"/>
+                <a:ea typeface="+mn-ea"/>
+              </a:rPr>
+              <a:t>（元组）、</a:t>
             </a:r>
             <a:r>
               <a:rPr lang="en-US" altLang="zh-CN" sz="1800" dirty="0">

--- a/第4章-矢量数据处理-8课时/第4章-矢量数据处理.pptx
+++ b/第4章-矢量数据处理-8课时/第4章-矢量数据处理.pptx
@@ -7091,7 +7091,7 @@
               </a14:hiddenFill>
             </a:ext>
             <a:ext uri="{FAA26D3D-D897-4be2-8F04-BA451C77F1D7}">
-              <ma14:placeholderFlag xmlns="" xmlns:ma14="http://schemas.microsoft.com/office/mac/drawingml/2011/main" val="1"/>
+              <ma14:placeholderFlag xmlns:ma14="http://schemas.microsoft.com/office/mac/drawingml/2011/main" xmlns="" val="1"/>
             </a:ext>
           </a:extLst>
         </p:spPr>
@@ -7475,7 +7475,7 @@
               </a14:hiddenLine>
             </a:ext>
             <a:ext uri="{FAA26D3D-D897-4be2-8F04-BA451C77F1D7}">
-              <ma14:placeholderFlag xmlns="" xmlns:ma14="http://schemas.microsoft.com/office/mac/drawingml/2011/main" val="1"/>
+              <ma14:placeholderFlag xmlns:ma14="http://schemas.microsoft.com/office/mac/drawingml/2011/main" xmlns="" val="1"/>
             </a:ext>
           </a:extLst>
         </p:spPr>
@@ -10347,7 +10347,7 @@
               </a14:hiddenLine>
             </a:ext>
             <a:ext uri="{FAA26D3D-D897-4be2-8F04-BA451C77F1D7}">
-              <ma14:placeholderFlag xmlns="" xmlns:ma14="http://schemas.microsoft.com/office/mac/drawingml/2011/main" val="1"/>
+              <ma14:placeholderFlag xmlns:ma14="http://schemas.microsoft.com/office/mac/drawingml/2011/main" xmlns="" val="1"/>
             </a:ext>
           </a:extLst>
         </p:spPr>
@@ -14038,7 +14038,7 @@
               </a14:hiddenLine>
             </a:ext>
             <a:ext uri="{FAA26D3D-D897-4be2-8F04-BA451C77F1D7}">
-              <ma14:placeholderFlag xmlns="" xmlns:ma14="http://schemas.microsoft.com/office/mac/drawingml/2011/main" val="1"/>
+              <ma14:placeholderFlag xmlns:ma14="http://schemas.microsoft.com/office/mac/drawingml/2011/main" xmlns="" val="1"/>
             </a:ext>
           </a:extLst>
         </p:spPr>
@@ -23410,7 +23410,7 @@
         <p:spPr>
           <a:xfrm>
             <a:off x="561109" y="1672501"/>
-            <a:ext cx="8021782" cy="2981714"/>
+            <a:ext cx="8021782" cy="3720377"/>
           </a:xfrm>
           <a:prstGeom prst="rect">
             <a:avLst/>
@@ -23545,6 +23545,60 @@
             <a:endParaRPr lang="en-US" altLang="zh-CN" dirty="0">
               <a:solidFill>
                 <a:srgbClr val="151515"/>
+              </a:solidFill>
+              <a:latin typeface="+mn-ea"/>
+              <a:ea typeface="+mn-ea"/>
+            </a:endParaRPr>
+          </a:p>
+          <a:p>
+            <a:pPr algn="just">
+              <a:lnSpc>
+                <a:spcPct val="150000"/>
+              </a:lnSpc>
+            </a:pPr>
+            <a:r>
+              <a:rPr lang="en-US" altLang="zh-CN" sz="2400" dirty="0">
+                <a:solidFill>
+                  <a:srgbClr val="333333"/>
+                </a:solidFill>
+                <a:latin typeface="+mn-ea"/>
+                <a:ea typeface="+mn-ea"/>
+              </a:rPr>
+              <a:t>3</a:t>
+            </a:r>
+            <a:r>
+              <a:rPr lang="zh-CN" altLang="en-US" sz="2400" dirty="0">
+                <a:solidFill>
+                  <a:srgbClr val="333333"/>
+                </a:solidFill>
+                <a:latin typeface="+mn-ea"/>
+                <a:ea typeface="+mn-ea"/>
+              </a:rPr>
+              <a:t>、在开发环境中安装</a:t>
+            </a:r>
+            <a:r>
+              <a:rPr lang="en-US" altLang="zh-CN" sz="2400" dirty="0" err="1">
+                <a:solidFill>
+                  <a:srgbClr val="333333"/>
+                </a:solidFill>
+                <a:latin typeface="+mn-ea"/>
+                <a:ea typeface="+mn-ea"/>
+              </a:rPr>
+              <a:t>gdal</a:t>
+            </a:r>
+            <a:r>
+              <a:rPr lang="zh-CN" altLang="en-US" sz="2400" dirty="0">
+                <a:solidFill>
+                  <a:srgbClr val="333333"/>
+                </a:solidFill>
+                <a:latin typeface="+mn-ea"/>
+                <a:ea typeface="+mn-ea"/>
+              </a:rPr>
+              <a:t>开源库。</a:t>
+            </a:r>
+            <a:endParaRPr lang="en-US" altLang="zh-CN" sz="2400" dirty="0">
+              <a:solidFill>
+                <a:srgbClr val="333333"/>
               </a:solidFill>
               <a:latin typeface="+mn-ea"/>
               <a:ea typeface="+mn-ea"/>
